--- a/test_red/str.pptx
+++ b/test_red/str.pptx
@@ -5,7 +5,8 @@
     <p:sldMasterId id="2147483648" r:id="rId1"/>
   </p:sldMasterIdLst>
   <p:sldIdLst>
-    <p:sldId id="256" r:id="rId2"/>
+    <p:sldId id="257" r:id="rId2"/>
+    <p:sldId id="256" r:id="rId3"/>
   </p:sldIdLst>
   <p:sldSz cx="12192000" cy="6858000"/>
   <p:notesSz cx="6858000" cy="9144000"/>
@@ -104,6 +105,11 @@
       </a:defRPr>
     </a:lvl9pPr>
   </p:defaultTextStyle>
+  <p:extLst>
+    <p:ext uri="{EFAFB233-063F-42B5-8137-9DF3F51BA10A}">
+      <p15:sldGuideLst xmlns:p15="http://schemas.microsoft.com/office/powerpoint/2012/main"/>
+    </p:ext>
+  </p:extLst>
 </p:presentation>
 </file>
 
@@ -238,7 +244,7 @@
           <a:p>
             <a:fld id="{491FE4B9-497B-47E4-8994-F8A6EA5B362D}" type="datetimeFigureOut">
               <a:rPr lang="en-US" smtClean="0"/>
-              <a:t>7/23/2019</a:t>
+              <a:t>7/24/2019</a:t>
             </a:fld>
             <a:endParaRPr lang="en-US"/>
           </a:p>
@@ -408,7 +414,7 @@
           <a:p>
             <a:fld id="{491FE4B9-497B-47E4-8994-F8A6EA5B362D}" type="datetimeFigureOut">
               <a:rPr lang="en-US" smtClean="0"/>
-              <a:t>7/23/2019</a:t>
+              <a:t>7/24/2019</a:t>
             </a:fld>
             <a:endParaRPr lang="en-US"/>
           </a:p>
@@ -588,7 +594,7 @@
           <a:p>
             <a:fld id="{491FE4B9-497B-47E4-8994-F8A6EA5B362D}" type="datetimeFigureOut">
               <a:rPr lang="en-US" smtClean="0"/>
-              <a:t>7/23/2019</a:t>
+              <a:t>7/24/2019</a:t>
             </a:fld>
             <a:endParaRPr lang="en-US"/>
           </a:p>
@@ -758,7 +764,7 @@
           <a:p>
             <a:fld id="{491FE4B9-497B-47E4-8994-F8A6EA5B362D}" type="datetimeFigureOut">
               <a:rPr lang="en-US" smtClean="0"/>
-              <a:t>7/23/2019</a:t>
+              <a:t>7/24/2019</a:t>
             </a:fld>
             <a:endParaRPr lang="en-US"/>
           </a:p>
@@ -1004,7 +1010,7 @@
           <a:p>
             <a:fld id="{491FE4B9-497B-47E4-8994-F8A6EA5B362D}" type="datetimeFigureOut">
               <a:rPr lang="en-US" smtClean="0"/>
-              <a:t>7/23/2019</a:t>
+              <a:t>7/24/2019</a:t>
             </a:fld>
             <a:endParaRPr lang="en-US"/>
           </a:p>
@@ -1236,7 +1242,7 @@
           <a:p>
             <a:fld id="{491FE4B9-497B-47E4-8994-F8A6EA5B362D}" type="datetimeFigureOut">
               <a:rPr lang="en-US" smtClean="0"/>
-              <a:t>7/23/2019</a:t>
+              <a:t>7/24/2019</a:t>
             </a:fld>
             <a:endParaRPr lang="en-US"/>
           </a:p>
@@ -1603,7 +1609,7 @@
           <a:p>
             <a:fld id="{491FE4B9-497B-47E4-8994-F8A6EA5B362D}" type="datetimeFigureOut">
               <a:rPr lang="en-US" smtClean="0"/>
-              <a:t>7/23/2019</a:t>
+              <a:t>7/24/2019</a:t>
             </a:fld>
             <a:endParaRPr lang="en-US"/>
           </a:p>
@@ -1721,7 +1727,7 @@
           <a:p>
             <a:fld id="{491FE4B9-497B-47E4-8994-F8A6EA5B362D}" type="datetimeFigureOut">
               <a:rPr lang="en-US" smtClean="0"/>
-              <a:t>7/23/2019</a:t>
+              <a:t>7/24/2019</a:t>
             </a:fld>
             <a:endParaRPr lang="en-US"/>
           </a:p>
@@ -1816,7 +1822,7 @@
           <a:p>
             <a:fld id="{491FE4B9-497B-47E4-8994-F8A6EA5B362D}" type="datetimeFigureOut">
               <a:rPr lang="en-US" smtClean="0"/>
-              <a:t>7/23/2019</a:t>
+              <a:t>7/24/2019</a:t>
             </a:fld>
             <a:endParaRPr lang="en-US"/>
           </a:p>
@@ -2093,7 +2099,7 @@
           <a:p>
             <a:fld id="{491FE4B9-497B-47E4-8994-F8A6EA5B362D}" type="datetimeFigureOut">
               <a:rPr lang="en-US" smtClean="0"/>
-              <a:t>7/23/2019</a:t>
+              <a:t>7/24/2019</a:t>
             </a:fld>
             <a:endParaRPr lang="en-US"/>
           </a:p>
@@ -2346,7 +2352,7 @@
           <a:p>
             <a:fld id="{491FE4B9-497B-47E4-8994-F8A6EA5B362D}" type="datetimeFigureOut">
               <a:rPr lang="en-US" smtClean="0"/>
-              <a:t>7/23/2019</a:t>
+              <a:t>7/24/2019</a:t>
             </a:fld>
             <a:endParaRPr lang="en-US"/>
           </a:p>
@@ -2559,7 +2565,7 @@
           <a:p>
             <a:fld id="{491FE4B9-497B-47E4-8994-F8A6EA5B362D}" type="datetimeFigureOut">
               <a:rPr lang="en-US" smtClean="0"/>
-              <a:t>7/23/2019</a:t>
+              <a:t>7/24/2019</a:t>
             </a:fld>
             <a:endParaRPr lang="en-US"/>
           </a:p>
@@ -2964,207 +2970,15 @@
           <a:chExt cx="0" cy="0"/>
         </a:xfrm>
       </p:grpSpPr>
-      <p:sp>
-        <p:nvSpPr>
-          <p:cNvPr id="37" name="TextBox 36"/>
-          <p:cNvSpPr txBox="1"/>
-          <p:nvPr/>
-        </p:nvSpPr>
-        <p:spPr>
-          <a:xfrm>
-            <a:off x="585523" y="3226271"/>
-            <a:ext cx="2908512" cy="1077218"/>
-          </a:xfrm>
-          <a:prstGeom prst="rect">
-            <a:avLst/>
-          </a:prstGeom>
-          <a:noFill/>
-        </p:spPr>
-        <p:txBody>
-          <a:bodyPr wrap="square" rtlCol="0">
-            <a:spAutoFit/>
-          </a:bodyPr>
-          <a:lstStyle/>
-          <a:p>
-            <a:r>
-              <a:rPr lang="en-US" sz="1600" dirty="0" smtClean="0"/>
-              <a:t>Hl[ 10, 10, 11]</a:t>
-            </a:r>
-          </a:p>
-          <a:p>
-            <a:pPr marL="285750" indent="-285750">
-              <a:buFont typeface="Arial" panose="020B0604020202020204" pitchFamily="34" charset="0"/>
-              <a:buChar char="•"/>
-            </a:pPr>
-            <a:r>
-              <a:rPr lang="en-US" sz="1600" dirty="0" smtClean="0"/>
-              <a:t>Summarizes [store]; average intra-/inter-group difference per trait</a:t>
-            </a:r>
-            <a:endParaRPr lang="en-US" sz="1600" dirty="0"/>
-          </a:p>
-        </p:txBody>
-      </p:sp>
-      <p:sp>
-        <p:nvSpPr>
-          <p:cNvPr id="4" name="Rectangle 3"/>
-          <p:cNvSpPr/>
-          <p:nvPr/>
-        </p:nvSpPr>
-        <p:spPr>
-          <a:xfrm>
-            <a:off x="1943530" y="1025546"/>
-            <a:ext cx="1550504" cy="1327868"/>
-          </a:xfrm>
-          <a:prstGeom prst="rect">
-            <a:avLst/>
-          </a:prstGeom>
-        </p:spPr>
-        <p:style>
-          <a:lnRef idx="1">
-            <a:schemeClr val="accent1"/>
-          </a:lnRef>
-          <a:fillRef idx="2">
-            <a:schemeClr val="accent1"/>
-          </a:fillRef>
-          <a:effectRef idx="1">
-            <a:schemeClr val="accent1"/>
-          </a:effectRef>
-          <a:fontRef idx="minor">
-            <a:schemeClr val="dk1"/>
-          </a:fontRef>
-        </p:style>
-        <p:txBody>
-          <a:bodyPr rtlCol="0" anchor="ctr"/>
-          <a:lstStyle/>
-          <a:p>
-            <a:pPr algn="ctr"/>
-            <a:endParaRPr lang="en-US"/>
-          </a:p>
-        </p:txBody>
-      </p:sp>
-      <p:sp>
-        <p:nvSpPr>
-          <p:cNvPr id="5" name="Rectangle 4"/>
-          <p:cNvSpPr/>
-          <p:nvPr/>
-        </p:nvSpPr>
-        <p:spPr>
-          <a:xfrm>
-            <a:off x="2095930" y="1177946"/>
-            <a:ext cx="1550504" cy="1327868"/>
-          </a:xfrm>
-          <a:prstGeom prst="rect">
-            <a:avLst/>
-          </a:prstGeom>
-        </p:spPr>
-        <p:style>
-          <a:lnRef idx="1">
-            <a:schemeClr val="accent1"/>
-          </a:lnRef>
-          <a:fillRef idx="2">
-            <a:schemeClr val="accent1"/>
-          </a:fillRef>
-          <a:effectRef idx="1">
-            <a:schemeClr val="accent1"/>
-          </a:effectRef>
-          <a:fontRef idx="minor">
-            <a:schemeClr val="dk1"/>
-          </a:fontRef>
-        </p:style>
-        <p:txBody>
-          <a:bodyPr rtlCol="0" anchor="ctr"/>
-          <a:lstStyle/>
-          <a:p>
-            <a:pPr algn="ctr"/>
-            <a:endParaRPr lang="en-US"/>
-          </a:p>
-        </p:txBody>
-      </p:sp>
-      <p:sp>
-        <p:nvSpPr>
-          <p:cNvPr id="6" name="Rectangle 5"/>
-          <p:cNvSpPr/>
-          <p:nvPr/>
-        </p:nvSpPr>
-        <p:spPr>
-          <a:xfrm>
-            <a:off x="2248330" y="1330346"/>
-            <a:ext cx="1550504" cy="1327868"/>
-          </a:xfrm>
-          <a:prstGeom prst="rect">
-            <a:avLst/>
-          </a:prstGeom>
-        </p:spPr>
-        <p:style>
-          <a:lnRef idx="1">
-            <a:schemeClr val="accent1"/>
-          </a:lnRef>
-          <a:fillRef idx="2">
-            <a:schemeClr val="accent1"/>
-          </a:fillRef>
-          <a:effectRef idx="1">
-            <a:schemeClr val="accent1"/>
-          </a:effectRef>
-          <a:fontRef idx="minor">
-            <a:schemeClr val="dk1"/>
-          </a:fontRef>
-        </p:style>
-        <p:txBody>
-          <a:bodyPr rtlCol="0" anchor="ctr"/>
-          <a:lstStyle/>
-          <a:p>
-            <a:pPr algn="ctr"/>
-            <a:endParaRPr lang="en-US"/>
-          </a:p>
-        </p:txBody>
-      </p:sp>
-      <p:sp>
-        <p:nvSpPr>
-          <p:cNvPr id="7" name="Rectangle 6"/>
-          <p:cNvSpPr/>
-          <p:nvPr/>
-        </p:nvSpPr>
-        <p:spPr>
-          <a:xfrm>
-            <a:off x="2400730" y="1482746"/>
-            <a:ext cx="1550504" cy="1327868"/>
-          </a:xfrm>
-          <a:prstGeom prst="rect">
-            <a:avLst/>
-          </a:prstGeom>
-        </p:spPr>
-        <p:style>
-          <a:lnRef idx="1">
-            <a:schemeClr val="accent1"/>
-          </a:lnRef>
-          <a:fillRef idx="2">
-            <a:schemeClr val="accent1"/>
-          </a:fillRef>
-          <a:effectRef idx="1">
-            <a:schemeClr val="accent1"/>
-          </a:effectRef>
-          <a:fontRef idx="minor">
-            <a:schemeClr val="dk1"/>
-          </a:fontRef>
-        </p:style>
-        <p:txBody>
-          <a:bodyPr rtlCol="0" anchor="ctr"/>
-          <a:lstStyle/>
-          <a:p>
-            <a:pPr algn="ctr"/>
-            <a:endParaRPr lang="en-US"/>
-          </a:p>
-        </p:txBody>
-      </p:sp>
       <p:cxnSp>
         <p:nvCxnSpPr>
-          <p:cNvPr id="11" name="Straight Arrow Connector 10"/>
+          <p:cNvPr id="8" name="Straight Arrow Connector 7"/>
           <p:cNvCxnSpPr/>
           <p:nvPr/>
         </p:nvCxnSpPr>
         <p:spPr>
           <a:xfrm>
-            <a:off x="1744748" y="1177946"/>
+            <a:off x="7020504" y="2144629"/>
             <a:ext cx="0" cy="1708206"/>
           </a:xfrm>
           <a:prstGeom prst="straightConnector1">
@@ -3191,14 +3005,14 @@
       </p:cxnSp>
       <p:cxnSp>
         <p:nvCxnSpPr>
-          <p:cNvPr id="13" name="Straight Arrow Connector 12"/>
+          <p:cNvPr id="9" name="Straight Arrow Connector 8"/>
           <p:cNvCxnSpPr/>
           <p:nvPr/>
         </p:nvCxnSpPr>
         <p:spPr>
           <a:xfrm>
-            <a:off x="1999189" y="890374"/>
-            <a:ext cx="1280160" cy="0"/>
+            <a:off x="7359494" y="2138190"/>
+            <a:ext cx="1952045" cy="0"/>
           </a:xfrm>
           <a:prstGeom prst="straightConnector1">
             <a:avLst/>
@@ -3208,13 +3022,13 @@
           </a:ln>
         </p:spPr>
         <p:style>
-          <a:lnRef idx="1">
+          <a:lnRef idx="3">
             <a:schemeClr val="accent6"/>
           </a:lnRef>
           <a:fillRef idx="0">
             <a:schemeClr val="accent6"/>
           </a:fillRef>
-          <a:effectRef idx="0">
+          <a:effectRef idx="2">
             <a:schemeClr val="accent6"/>
           </a:effectRef>
           <a:fontRef idx="minor">
@@ -3222,16 +3036,322 @@
           </a:fontRef>
         </p:style>
       </p:cxnSp>
+      <p:sp>
+        <p:nvSpPr>
+          <p:cNvPr id="11" name="TextBox 10"/>
+          <p:cNvSpPr txBox="1"/>
+          <p:nvPr/>
+        </p:nvSpPr>
+        <p:spPr>
+          <a:xfrm>
+            <a:off x="7628123" y="1815304"/>
+            <a:ext cx="772456" cy="369332"/>
+          </a:xfrm>
+          <a:prstGeom prst="rect">
+            <a:avLst/>
+          </a:prstGeom>
+          <a:noFill/>
+        </p:spPr>
+        <p:txBody>
+          <a:bodyPr wrap="none" rtlCol="0">
+            <a:spAutoFit/>
+          </a:bodyPr>
+          <a:lstStyle/>
+          <a:p>
+            <a:r>
+              <a:rPr lang="en-US" dirty="0" smtClean="0">
+                <a:solidFill>
+                  <a:schemeClr val="accent6">
+                    <a:lumMod val="75000"/>
+                  </a:schemeClr>
+                </a:solidFill>
+              </a:rPr>
+              <a:t>Group</a:t>
+            </a:r>
+            <a:endParaRPr lang="en-US" dirty="0">
+              <a:solidFill>
+                <a:schemeClr val="accent6">
+                  <a:lumMod val="75000"/>
+                </a:schemeClr>
+              </a:solidFill>
+            </a:endParaRPr>
+          </a:p>
+        </p:txBody>
+      </p:sp>
+      <p:sp>
+        <p:nvSpPr>
+          <p:cNvPr id="12" name="TextBox 11"/>
+          <p:cNvSpPr txBox="1"/>
+          <p:nvPr/>
+        </p:nvSpPr>
+        <p:spPr>
+          <a:xfrm>
+            <a:off x="6528607" y="452195"/>
+            <a:ext cx="3807664" cy="1815882"/>
+          </a:xfrm>
+          <a:prstGeom prst="rect">
+            <a:avLst/>
+          </a:prstGeom>
+          <a:noFill/>
+        </p:spPr>
+        <p:txBody>
+          <a:bodyPr wrap="square" rtlCol="0">
+            <a:spAutoFit/>
+          </a:bodyPr>
+          <a:lstStyle/>
+          <a:p>
+            <a:r>
+              <a:rPr lang="en-US" sz="1600" dirty="0" smtClean="0"/>
+              <a:t>M[202, 10, 11</a:t>
+            </a:r>
+            <a:r>
+              <a:rPr lang="en-US" sz="1600" dirty="0" smtClean="0"/>
+              <a:t>]</a:t>
+            </a:r>
+          </a:p>
+          <a:p>
+            <a:pPr marL="285750" indent="-285750">
+              <a:buFont typeface="Arial" panose="020B0604020202020204" pitchFamily="34" charset="0"/>
+              <a:buChar char="•"/>
+            </a:pPr>
+            <a:r>
+              <a:rPr lang="en-US" sz="1600" dirty="0" smtClean="0"/>
+              <a:t>Arrange </a:t>
+            </a:r>
+            <a:r>
+              <a:rPr lang="en-US" sz="1600" dirty="0" err="1" smtClean="0"/>
+              <a:t>dat</a:t>
+            </a:r>
+            <a:r>
+              <a:rPr lang="en-US" sz="1600" dirty="0" smtClean="0"/>
+              <a:t>[877,11] by group (10)</a:t>
+            </a:r>
+          </a:p>
+          <a:p>
+            <a:pPr marL="285750" indent="-285750">
+              <a:buFont typeface="Arial" panose="020B0604020202020204" pitchFamily="34" charset="0"/>
+              <a:buChar char="•"/>
+            </a:pPr>
+            <a:r>
+              <a:rPr lang="en-US" sz="1600" dirty="0" smtClean="0"/>
+              <a:t>Note, max length of any group is 202</a:t>
+            </a:r>
+          </a:p>
+          <a:p>
+            <a:pPr marL="742950" lvl="1" indent="-285750">
+              <a:buFont typeface="Arial" panose="020B0604020202020204" pitchFamily="34" charset="0"/>
+              <a:buChar char="•"/>
+            </a:pPr>
+            <a:r>
+              <a:rPr lang="en-US" sz="1600" dirty="0" smtClean="0"/>
+              <a:t> groups with fewer than 202 get padded with NAs</a:t>
+            </a:r>
+          </a:p>
+          <a:p>
+            <a:pPr marL="285750" indent="-285750">
+              <a:buFont typeface="Arial" panose="020B0604020202020204" pitchFamily="34" charset="0"/>
+              <a:buChar char="•"/>
+            </a:pPr>
+            <a:r>
+              <a:rPr lang="en-US" sz="1600" dirty="0" smtClean="0"/>
+              <a:t>RED2 does not require array m[] to be created</a:t>
+            </a:r>
+            <a:endParaRPr lang="en-US" sz="1600" dirty="0"/>
+          </a:p>
+        </p:txBody>
+      </p:sp>
+      <p:sp>
+        <p:nvSpPr>
+          <p:cNvPr id="13" name="TextBox 12"/>
+          <p:cNvSpPr txBox="1"/>
+          <p:nvPr/>
+        </p:nvSpPr>
+        <p:spPr>
+          <a:xfrm>
+            <a:off x="9416366" y="4033822"/>
+            <a:ext cx="598434" cy="369332"/>
+          </a:xfrm>
+          <a:prstGeom prst="rect">
+            <a:avLst/>
+          </a:prstGeom>
+          <a:noFill/>
+        </p:spPr>
+        <p:txBody>
+          <a:bodyPr wrap="none" rtlCol="0">
+            <a:spAutoFit/>
+          </a:bodyPr>
+          <a:lstStyle/>
+          <a:p>
+            <a:r>
+              <a:rPr lang="en-US" dirty="0" smtClean="0">
+                <a:solidFill>
+                  <a:schemeClr val="accent2">
+                    <a:lumMod val="75000"/>
+                  </a:schemeClr>
+                </a:solidFill>
+              </a:rPr>
+              <a:t>Trait</a:t>
+            </a:r>
+          </a:p>
+        </p:txBody>
+      </p:sp>
+      <p:sp>
+        <p:nvSpPr>
+          <p:cNvPr id="14" name="TextBox 13"/>
+          <p:cNvSpPr txBox="1"/>
+          <p:nvPr/>
+        </p:nvSpPr>
+        <p:spPr>
+          <a:xfrm>
+            <a:off x="5905812" y="2670999"/>
+            <a:ext cx="1103187" cy="369332"/>
+          </a:xfrm>
+          <a:prstGeom prst="rect">
+            <a:avLst/>
+          </a:prstGeom>
+          <a:noFill/>
+        </p:spPr>
+        <p:txBody>
+          <a:bodyPr wrap="none" rtlCol="0">
+            <a:spAutoFit/>
+          </a:bodyPr>
+          <a:lstStyle/>
+          <a:p>
+            <a:r>
+              <a:rPr lang="en-US" dirty="0" smtClean="0">
+                <a:solidFill>
+                  <a:srgbClr val="0070C0"/>
+                </a:solidFill>
+              </a:rPr>
+              <a:t>Individual</a:t>
+            </a:r>
+            <a:endParaRPr lang="en-US" dirty="0">
+              <a:solidFill>
+                <a:srgbClr val="0070C0"/>
+              </a:solidFill>
+            </a:endParaRPr>
+          </a:p>
+        </p:txBody>
+      </p:sp>
+      <p:sp>
+        <p:nvSpPr>
+          <p:cNvPr id="15" name="Rectangle 14"/>
+          <p:cNvSpPr/>
+          <p:nvPr/>
+        </p:nvSpPr>
+        <p:spPr>
+          <a:xfrm>
+            <a:off x="2010172" y="2719175"/>
+            <a:ext cx="1550504" cy="1327868"/>
+          </a:xfrm>
+          <a:prstGeom prst="rect">
+            <a:avLst/>
+          </a:prstGeom>
+        </p:spPr>
+        <p:style>
+          <a:lnRef idx="1">
+            <a:schemeClr val="accent1"/>
+          </a:lnRef>
+          <a:fillRef idx="2">
+            <a:schemeClr val="accent1"/>
+          </a:fillRef>
+          <a:effectRef idx="1">
+            <a:schemeClr val="accent1"/>
+          </a:effectRef>
+          <a:fontRef idx="minor">
+            <a:schemeClr val="dk1"/>
+          </a:fontRef>
+        </p:style>
+        <p:txBody>
+          <a:bodyPr rtlCol="0" anchor="ctr"/>
+          <a:lstStyle/>
+          <a:p>
+            <a:pPr algn="ctr"/>
+            <a:endParaRPr lang="en-US"/>
+          </a:p>
+        </p:txBody>
+      </p:sp>
       <p:cxnSp>
         <p:nvCxnSpPr>
-          <p:cNvPr id="9" name="Straight Arrow Connector 8"/>
+          <p:cNvPr id="16" name="Straight Arrow Connector 15"/>
           <p:cNvCxnSpPr/>
           <p:nvPr/>
         </p:nvCxnSpPr>
         <p:spPr>
           <a:xfrm>
-            <a:off x="3235615" y="2124814"/>
-            <a:ext cx="914400" cy="914400"/>
+            <a:off x="1838251" y="2610709"/>
+            <a:ext cx="0" cy="1708206"/>
+          </a:xfrm>
+          <a:prstGeom prst="straightConnector1">
+            <a:avLst/>
+          </a:prstGeom>
+          <a:ln>
+            <a:tailEnd type="triangle"/>
+          </a:ln>
+        </p:spPr>
+        <p:style>
+          <a:lnRef idx="1">
+            <a:schemeClr val="accent1"/>
+          </a:lnRef>
+          <a:fillRef idx="0">
+            <a:schemeClr val="accent1"/>
+          </a:fillRef>
+          <a:effectRef idx="0">
+            <a:schemeClr val="accent1"/>
+          </a:effectRef>
+          <a:fontRef idx="minor">
+            <a:schemeClr val="tx1"/>
+          </a:fontRef>
+        </p:style>
+      </p:cxnSp>
+      <p:sp>
+        <p:nvSpPr>
+          <p:cNvPr id="17" name="TextBox 16"/>
+          <p:cNvSpPr txBox="1"/>
+          <p:nvPr/>
+        </p:nvSpPr>
+        <p:spPr>
+          <a:xfrm>
+            <a:off x="655194" y="3274643"/>
+            <a:ext cx="1103187" cy="369332"/>
+          </a:xfrm>
+          <a:prstGeom prst="rect">
+            <a:avLst/>
+          </a:prstGeom>
+          <a:noFill/>
+        </p:spPr>
+        <p:txBody>
+          <a:bodyPr wrap="none" rtlCol="0">
+            <a:spAutoFit/>
+          </a:bodyPr>
+          <a:lstStyle/>
+          <a:p>
+            <a:r>
+              <a:rPr lang="en-US" dirty="0" smtClean="0">
+                <a:solidFill>
+                  <a:srgbClr val="0070C0"/>
+                </a:solidFill>
+              </a:rPr>
+              <a:t>Individual</a:t>
+            </a:r>
+            <a:endParaRPr lang="en-US" dirty="0">
+              <a:solidFill>
+                <a:srgbClr val="0070C0"/>
+              </a:solidFill>
+            </a:endParaRPr>
+          </a:p>
+        </p:txBody>
+      </p:sp>
+      <p:cxnSp>
+        <p:nvCxnSpPr>
+          <p:cNvPr id="18" name="Straight Arrow Connector 17"/>
+          <p:cNvCxnSpPr/>
+          <p:nvPr/>
+        </p:nvCxnSpPr>
+        <p:spPr>
+          <a:xfrm flipV="1">
+            <a:off x="2010172" y="2344940"/>
+            <a:ext cx="1747325" cy="2391"/>
           </a:xfrm>
           <a:prstGeom prst="straightConnector1">
             <a:avLst/>
@@ -3257,14 +3377,14 @@
       </p:cxnSp>
       <p:sp>
         <p:nvSpPr>
-          <p:cNvPr id="14" name="TextBox 13"/>
+          <p:cNvPr id="19" name="TextBox 18"/>
           <p:cNvSpPr txBox="1"/>
           <p:nvPr/>
         </p:nvSpPr>
         <p:spPr>
           <a:xfrm>
-            <a:off x="2332554" y="547748"/>
-            <a:ext cx="772456" cy="369332"/>
+            <a:off x="2427942" y="1976803"/>
+            <a:ext cx="598434" cy="369332"/>
           </a:xfrm>
           <a:prstGeom prst="rect">
             <a:avLst/>
@@ -3280,29 +3400,26 @@
             <a:r>
               <a:rPr lang="en-US" dirty="0" smtClean="0">
                 <a:solidFill>
-                  <a:srgbClr val="00B050"/>
-                </a:solidFill>
-              </a:rPr>
-              <a:t>Group</a:t>
-            </a:r>
-            <a:endParaRPr lang="en-US" dirty="0">
-              <a:solidFill>
-                <a:srgbClr val="00B050"/>
-              </a:solidFill>
-            </a:endParaRPr>
-          </a:p>
-        </p:txBody>
-      </p:sp>
-      <p:sp>
-        <p:nvSpPr>
-          <p:cNvPr id="15" name="TextBox 14"/>
+                  <a:schemeClr val="accent2">
+                    <a:lumMod val="75000"/>
+                  </a:schemeClr>
+                </a:solidFill>
+              </a:rPr>
+              <a:t>Trait</a:t>
+            </a:r>
+          </a:p>
+        </p:txBody>
+      </p:sp>
+      <p:sp>
+        <p:nvSpPr>
+          <p:cNvPr id="21" name="TextBox 20"/>
           <p:cNvSpPr txBox="1"/>
           <p:nvPr/>
         </p:nvSpPr>
         <p:spPr>
           <a:xfrm>
-            <a:off x="927808" y="363082"/>
-            <a:ext cx="1409360" cy="338554"/>
+            <a:off x="532188" y="829309"/>
+            <a:ext cx="2101024" cy="1569660"/>
           </a:xfrm>
           <a:prstGeom prst="rect">
             <a:avLst/>
@@ -3316,23 +3433,115 @@
           <a:lstStyle/>
           <a:p>
             <a:r>
+              <a:rPr lang="en-US" sz="1600" dirty="0" err="1" smtClean="0"/>
+              <a:t>dat</a:t>
+            </a:r>
+            <a:r>
               <a:rPr lang="en-US" sz="1600" dirty="0" smtClean="0"/>
-              <a:t>M[202, 10, 11]</a:t>
-            </a:r>
+              <a:t>[877, 12]</a:t>
+            </a:r>
+          </a:p>
+          <a:p>
+            <a:pPr marL="285750" indent="-285750">
+              <a:buFont typeface="Arial" panose="020B0604020202020204" pitchFamily="34" charset="0"/>
+              <a:buChar char="•"/>
+            </a:pPr>
+            <a:r>
+              <a:rPr lang="en-US" sz="1600" dirty="0" smtClean="0">
+                <a:solidFill>
+                  <a:srgbClr val="0070C0"/>
+                </a:solidFill>
+              </a:rPr>
+              <a:t>877 individuals</a:t>
+            </a:r>
+          </a:p>
+          <a:p>
+            <a:pPr marL="285750" indent="-285750">
+              <a:buFont typeface="Arial" panose="020B0604020202020204" pitchFamily="34" charset="0"/>
+              <a:buChar char="•"/>
+            </a:pPr>
+            <a:r>
+              <a:rPr lang="en-US" sz="1600" dirty="0" smtClean="0">
+                <a:solidFill>
+                  <a:schemeClr val="accent2">
+                    <a:lumMod val="75000"/>
+                  </a:schemeClr>
+                </a:solidFill>
+              </a:rPr>
+              <a:t>11 traits (</a:t>
+            </a:r>
+            <a:r>
+              <a:rPr lang="en-US" sz="1600" dirty="0" err="1" smtClean="0">
+                <a:solidFill>
+                  <a:schemeClr val="accent2">
+                    <a:lumMod val="75000"/>
+                  </a:schemeClr>
+                </a:solidFill>
+              </a:rPr>
+              <a:t>var</a:t>
+            </a:r>
+            <a:r>
+              <a:rPr lang="en-US" sz="1600" dirty="0" smtClean="0">
+                <a:solidFill>
+                  <a:schemeClr val="accent2">
+                    <a:lumMod val="75000"/>
+                  </a:schemeClr>
+                </a:solidFill>
+              </a:rPr>
+              <a:t>)</a:t>
+            </a:r>
+          </a:p>
+          <a:p>
+            <a:pPr marL="742950" lvl="1" indent="-285750">
+              <a:buFont typeface="Arial" panose="020B0604020202020204" pitchFamily="34" charset="0"/>
+              <a:buChar char="•"/>
+            </a:pPr>
+            <a:r>
+              <a:rPr lang="en-US" sz="1600" dirty="0" smtClean="0">
+                <a:solidFill>
+                  <a:schemeClr val="accent2">
+                    <a:lumMod val="75000"/>
+                  </a:schemeClr>
+                </a:solidFill>
+              </a:rPr>
+              <a:t>Integer values</a:t>
+            </a:r>
+          </a:p>
+          <a:p>
+            <a:pPr marL="285750" indent="-285750">
+              <a:buFont typeface="Arial" panose="020B0604020202020204" pitchFamily="34" charset="0"/>
+              <a:buChar char="•"/>
+            </a:pPr>
+            <a:r>
+              <a:rPr lang="en-US" sz="1600" dirty="0" smtClean="0">
+                <a:solidFill>
+                  <a:schemeClr val="accent6">
+                    <a:lumMod val="75000"/>
+                  </a:schemeClr>
+                </a:solidFill>
+              </a:rPr>
+              <a:t>1 factor (grp)</a:t>
+            </a:r>
+          </a:p>
+          <a:p>
+            <a:pPr marL="285750" indent="-285750">
+              <a:buFont typeface="Arial" panose="020B0604020202020204" pitchFamily="34" charset="0"/>
+              <a:buChar char="•"/>
+            </a:pPr>
             <a:endParaRPr lang="en-US" sz="1600" dirty="0"/>
           </a:p>
         </p:txBody>
       </p:sp>
       <p:sp>
         <p:nvSpPr>
-          <p:cNvPr id="16" name="TextBox 15"/>
+          <p:cNvPr id="23" name="TextBox 22"/>
           <p:cNvSpPr txBox="1"/>
           <p:nvPr/>
         </p:nvSpPr>
         <p:spPr>
           <a:xfrm>
-            <a:off x="4258362" y="3041605"/>
-            <a:ext cx="598434" cy="369332"/>
+            <a:off x="1754064" y="2723604"/>
+            <a:ext cx="381836" cy="1323439"/>
           </a:xfrm>
           <a:prstGeom prst="rect">
             <a:avLst/>
@@ -3346,54 +3555,1279 @@
           <a:lstStyle/>
           <a:p>
             <a:r>
-              <a:rPr lang="en-US" dirty="0" smtClean="0">
-                <a:solidFill>
-                  <a:schemeClr val="accent2">
-                    <a:lumMod val="75000"/>
-                  </a:schemeClr>
-                </a:solidFill>
-              </a:rPr>
-              <a:t>Trait</a:t>
-            </a:r>
-          </a:p>
-        </p:txBody>
-      </p:sp>
-      <p:sp>
-        <p:nvSpPr>
-          <p:cNvPr id="17" name="TextBox 16"/>
-          <p:cNvSpPr txBox="1"/>
-          <p:nvPr/>
-        </p:nvSpPr>
-        <p:spPr>
-          <a:xfrm>
-            <a:off x="561691" y="1841880"/>
-            <a:ext cx="1103187" cy="369332"/>
-          </a:xfrm>
-          <a:prstGeom prst="rect">
-            <a:avLst/>
-          </a:prstGeom>
-          <a:noFill/>
-        </p:spPr>
-        <p:txBody>
-          <a:bodyPr wrap="none" rtlCol="0">
-            <a:spAutoFit/>
-          </a:bodyPr>
-          <a:lstStyle/>
-          <a:p>
-            <a:r>
-              <a:rPr lang="en-US" dirty="0" smtClean="0">
+              <a:rPr lang="en-US" sz="1000" dirty="0" smtClean="0">
                 <a:solidFill>
                   <a:srgbClr val="0070C0"/>
                 </a:solidFill>
               </a:rPr>
-              <a:t>Individual</a:t>
-            </a:r>
-            <a:endParaRPr lang="en-US" dirty="0">
+              <a:t>1</a:t>
+            </a:r>
+          </a:p>
+          <a:p>
+            <a:r>
+              <a:rPr lang="en-US" sz="1000" dirty="0" smtClean="0">
+                <a:solidFill>
+                  <a:srgbClr val="0070C0"/>
+                </a:solidFill>
+              </a:rPr>
+              <a:t>2</a:t>
+            </a:r>
+          </a:p>
+          <a:p>
+            <a:r>
+              <a:rPr lang="en-US" sz="1000" dirty="0" smtClean="0">
+                <a:solidFill>
+                  <a:srgbClr val="0070C0"/>
+                </a:solidFill>
+              </a:rPr>
+              <a:t>3</a:t>
+            </a:r>
+          </a:p>
+          <a:p>
+            <a:r>
+              <a:rPr lang="en-US" sz="1000" dirty="0" smtClean="0">
+                <a:solidFill>
+                  <a:srgbClr val="0070C0"/>
+                </a:solidFill>
+              </a:rPr>
+              <a:t>…</a:t>
+            </a:r>
+          </a:p>
+          <a:p>
+            <a:r>
+              <a:rPr lang="en-US" sz="1000" dirty="0" smtClean="0">
+                <a:solidFill>
+                  <a:srgbClr val="0070C0"/>
+                </a:solidFill>
+              </a:rPr>
+              <a:t>…</a:t>
+            </a:r>
+          </a:p>
+          <a:p>
+            <a:r>
+              <a:rPr lang="en-US" sz="1000" dirty="0" smtClean="0">
+                <a:solidFill>
+                  <a:srgbClr val="0070C0"/>
+                </a:solidFill>
+              </a:rPr>
+              <a:t>…</a:t>
+            </a:r>
+          </a:p>
+          <a:p>
+            <a:endParaRPr lang="en-US" sz="1000" dirty="0">
               <a:solidFill>
                 <a:srgbClr val="0070C0"/>
               </a:solidFill>
             </a:endParaRPr>
           </a:p>
+          <a:p>
+            <a:r>
+              <a:rPr lang="en-US" sz="1000" dirty="0" smtClean="0">
+                <a:solidFill>
+                  <a:srgbClr val="0070C0"/>
+                </a:solidFill>
+              </a:rPr>
+              <a:t>877</a:t>
+            </a:r>
+            <a:endParaRPr lang="en-US" sz="1000" dirty="0" smtClean="0">
+              <a:solidFill>
+                <a:srgbClr val="0070C0"/>
+              </a:solidFill>
+            </a:endParaRPr>
+          </a:p>
+        </p:txBody>
+      </p:sp>
+      <p:sp>
+        <p:nvSpPr>
+          <p:cNvPr id="24" name="TextBox 23"/>
+          <p:cNvSpPr txBox="1"/>
+          <p:nvPr/>
+        </p:nvSpPr>
+        <p:spPr>
+          <a:xfrm>
+            <a:off x="2010172" y="2503192"/>
+            <a:ext cx="1688283" cy="246221"/>
+          </a:xfrm>
+          <a:prstGeom prst="rect">
+            <a:avLst/>
+          </a:prstGeom>
+          <a:noFill/>
+        </p:spPr>
+        <p:txBody>
+          <a:bodyPr wrap="none" rtlCol="0">
+            <a:spAutoFit/>
+          </a:bodyPr>
+          <a:lstStyle/>
+          <a:p>
+            <a:r>
+              <a:rPr lang="en-US" sz="1000" dirty="0" smtClean="0">
+                <a:solidFill>
+                  <a:schemeClr val="accent2">
+                    <a:lumMod val="75000"/>
+                  </a:schemeClr>
+                </a:solidFill>
+              </a:rPr>
+              <a:t>1      2     3   …    …   …  </a:t>
+            </a:r>
+            <a:r>
+              <a:rPr lang="en-US" sz="1000" dirty="0" smtClean="0">
+                <a:solidFill>
+                  <a:schemeClr val="accent2">
+                    <a:lumMod val="75000"/>
+                  </a:schemeClr>
+                </a:solidFill>
+              </a:rPr>
+              <a:t>11  </a:t>
+            </a:r>
+            <a:r>
+              <a:rPr lang="en-US" sz="1000" b="1" dirty="0" smtClean="0">
+                <a:solidFill>
+                  <a:schemeClr val="accent6">
+                    <a:lumMod val="75000"/>
+                  </a:schemeClr>
+                </a:solidFill>
+              </a:rPr>
+              <a:t>12</a:t>
+            </a:r>
+            <a:endParaRPr lang="en-US" sz="1000" dirty="0" smtClean="0">
+              <a:solidFill>
+                <a:schemeClr val="accent6">
+                  <a:lumMod val="75000"/>
+                </a:schemeClr>
+              </a:solidFill>
+            </a:endParaRPr>
+          </a:p>
+        </p:txBody>
+      </p:sp>
+      <p:sp>
+        <p:nvSpPr>
+          <p:cNvPr id="26" name="TextBox 25"/>
+          <p:cNvSpPr txBox="1"/>
+          <p:nvPr/>
+        </p:nvSpPr>
+        <p:spPr>
+          <a:xfrm>
+            <a:off x="3341133" y="2710383"/>
+            <a:ext cx="316112" cy="1323439"/>
+          </a:xfrm>
+          <a:prstGeom prst="rect">
+            <a:avLst/>
+          </a:prstGeom>
+          <a:noFill/>
+        </p:spPr>
+        <p:txBody>
+          <a:bodyPr wrap="none" rtlCol="0">
+            <a:spAutoFit/>
+          </a:bodyPr>
+          <a:lstStyle/>
+          <a:p>
+            <a:r>
+              <a:rPr lang="en-US" sz="1000" dirty="0" smtClean="0">
+                <a:solidFill>
+                  <a:schemeClr val="accent6">
+                    <a:lumMod val="75000"/>
+                  </a:schemeClr>
+                </a:solidFill>
+              </a:rPr>
+              <a:t>1</a:t>
+            </a:r>
+          </a:p>
+          <a:p>
+            <a:r>
+              <a:rPr lang="en-US" sz="1000" dirty="0" smtClean="0">
+                <a:solidFill>
+                  <a:schemeClr val="accent6">
+                    <a:lumMod val="75000"/>
+                  </a:schemeClr>
+                </a:solidFill>
+              </a:rPr>
+              <a:t>2</a:t>
+            </a:r>
+          </a:p>
+          <a:p>
+            <a:r>
+              <a:rPr lang="en-US" sz="1000" dirty="0" smtClean="0">
+                <a:solidFill>
+                  <a:schemeClr val="accent6">
+                    <a:lumMod val="75000"/>
+                  </a:schemeClr>
+                </a:solidFill>
+              </a:rPr>
+              <a:t>3</a:t>
+            </a:r>
+          </a:p>
+          <a:p>
+            <a:r>
+              <a:rPr lang="en-US" sz="1000" dirty="0" smtClean="0">
+                <a:solidFill>
+                  <a:schemeClr val="accent6">
+                    <a:lumMod val="75000"/>
+                  </a:schemeClr>
+                </a:solidFill>
+              </a:rPr>
+              <a:t>…</a:t>
+            </a:r>
+          </a:p>
+          <a:p>
+            <a:r>
+              <a:rPr lang="en-US" sz="1000" dirty="0" smtClean="0">
+                <a:solidFill>
+                  <a:schemeClr val="accent6">
+                    <a:lumMod val="75000"/>
+                  </a:schemeClr>
+                </a:solidFill>
+              </a:rPr>
+              <a:t>…</a:t>
+            </a:r>
+          </a:p>
+          <a:p>
+            <a:r>
+              <a:rPr lang="en-US" sz="1000" dirty="0" smtClean="0">
+                <a:solidFill>
+                  <a:schemeClr val="accent6">
+                    <a:lumMod val="75000"/>
+                  </a:schemeClr>
+                </a:solidFill>
+              </a:rPr>
+              <a:t>…</a:t>
+            </a:r>
+          </a:p>
+          <a:p>
+            <a:endParaRPr lang="en-US" sz="1000" dirty="0">
+              <a:solidFill>
+                <a:schemeClr val="accent6">
+                  <a:lumMod val="75000"/>
+                </a:schemeClr>
+              </a:solidFill>
+            </a:endParaRPr>
+          </a:p>
+          <a:p>
+            <a:r>
+              <a:rPr lang="en-US" sz="1000" dirty="0" smtClean="0">
+                <a:solidFill>
+                  <a:schemeClr val="accent6">
+                    <a:lumMod val="75000"/>
+                  </a:schemeClr>
+                </a:solidFill>
+              </a:rPr>
+              <a:t>10</a:t>
+            </a:r>
+            <a:endParaRPr lang="en-US" sz="1000" dirty="0" smtClean="0">
+              <a:solidFill>
+                <a:schemeClr val="accent6">
+                  <a:lumMod val="75000"/>
+                </a:schemeClr>
+              </a:solidFill>
+            </a:endParaRPr>
+          </a:p>
+        </p:txBody>
+      </p:sp>
+      <p:sp>
+        <p:nvSpPr>
+          <p:cNvPr id="28" name="TextBox 27"/>
+          <p:cNvSpPr txBox="1"/>
+          <p:nvPr/>
+        </p:nvSpPr>
+        <p:spPr>
+          <a:xfrm>
+            <a:off x="7028849" y="2294539"/>
+            <a:ext cx="381836" cy="1323439"/>
+          </a:xfrm>
+          <a:prstGeom prst="rect">
+            <a:avLst/>
+          </a:prstGeom>
+          <a:noFill/>
+        </p:spPr>
+        <p:txBody>
+          <a:bodyPr wrap="none" rtlCol="0">
+            <a:spAutoFit/>
+          </a:bodyPr>
+          <a:lstStyle/>
+          <a:p>
+            <a:r>
+              <a:rPr lang="en-US" sz="1000" dirty="0" smtClean="0">
+                <a:solidFill>
+                  <a:srgbClr val="0070C0"/>
+                </a:solidFill>
+              </a:rPr>
+              <a:t>1</a:t>
+            </a:r>
+          </a:p>
+          <a:p>
+            <a:r>
+              <a:rPr lang="en-US" sz="1000" dirty="0" smtClean="0">
+                <a:solidFill>
+                  <a:srgbClr val="0070C0"/>
+                </a:solidFill>
+              </a:rPr>
+              <a:t>2</a:t>
+            </a:r>
+          </a:p>
+          <a:p>
+            <a:r>
+              <a:rPr lang="en-US" sz="1000" dirty="0" smtClean="0">
+                <a:solidFill>
+                  <a:srgbClr val="0070C0"/>
+                </a:solidFill>
+              </a:rPr>
+              <a:t>3</a:t>
+            </a:r>
+          </a:p>
+          <a:p>
+            <a:r>
+              <a:rPr lang="en-US" sz="1000" dirty="0" smtClean="0">
+                <a:solidFill>
+                  <a:srgbClr val="0070C0"/>
+                </a:solidFill>
+              </a:rPr>
+              <a:t>…</a:t>
+            </a:r>
+          </a:p>
+          <a:p>
+            <a:r>
+              <a:rPr lang="en-US" sz="1000" dirty="0" smtClean="0">
+                <a:solidFill>
+                  <a:srgbClr val="0070C0"/>
+                </a:solidFill>
+              </a:rPr>
+              <a:t>…</a:t>
+            </a:r>
+          </a:p>
+          <a:p>
+            <a:r>
+              <a:rPr lang="en-US" sz="1000" dirty="0" smtClean="0">
+                <a:solidFill>
+                  <a:srgbClr val="0070C0"/>
+                </a:solidFill>
+              </a:rPr>
+              <a:t>…</a:t>
+            </a:r>
+          </a:p>
+          <a:p>
+            <a:endParaRPr lang="en-US" sz="1000" dirty="0">
+              <a:solidFill>
+                <a:srgbClr val="0070C0"/>
+              </a:solidFill>
+            </a:endParaRPr>
+          </a:p>
+          <a:p>
+            <a:r>
+              <a:rPr lang="en-US" sz="1000" dirty="0" smtClean="0">
+                <a:solidFill>
+                  <a:srgbClr val="0070C0"/>
+                </a:solidFill>
+              </a:rPr>
+              <a:t>202</a:t>
+            </a:r>
+          </a:p>
+        </p:txBody>
+      </p:sp>
+      <p:sp>
+        <p:nvSpPr>
+          <p:cNvPr id="29" name="TextBox 28"/>
+          <p:cNvSpPr txBox="1"/>
+          <p:nvPr/>
+        </p:nvSpPr>
+        <p:spPr>
+          <a:xfrm>
+            <a:off x="7337992" y="2103406"/>
+            <a:ext cx="1507144" cy="246221"/>
+          </a:xfrm>
+          <a:prstGeom prst="rect">
+            <a:avLst/>
+          </a:prstGeom>
+          <a:noFill/>
+        </p:spPr>
+        <p:txBody>
+          <a:bodyPr wrap="none" rtlCol="0">
+            <a:spAutoFit/>
+          </a:bodyPr>
+          <a:lstStyle/>
+          <a:p>
+            <a:r>
+              <a:rPr lang="en-US" sz="1000" dirty="0" smtClean="0">
+                <a:solidFill>
+                  <a:schemeClr val="accent6">
+                    <a:lumMod val="75000"/>
+                  </a:schemeClr>
+                </a:solidFill>
+              </a:rPr>
+              <a:t>1      2     3   …    …   …  202</a:t>
+            </a:r>
+          </a:p>
+        </p:txBody>
+      </p:sp>
+      <p:grpSp>
+        <p:nvGrpSpPr>
+          <p:cNvPr id="34" name="Group 33"/>
+          <p:cNvGrpSpPr/>
+          <p:nvPr/>
+        </p:nvGrpSpPr>
+        <p:grpSpPr>
+          <a:xfrm>
+            <a:off x="7352387" y="2315909"/>
+            <a:ext cx="2007704" cy="1785068"/>
+            <a:chOff x="7239099" y="2186437"/>
+            <a:chExt cx="2007704" cy="1785068"/>
+          </a:xfrm>
+        </p:grpSpPr>
+        <p:sp>
+          <p:nvSpPr>
+            <p:cNvPr id="7" name="Rectangle 6"/>
+            <p:cNvSpPr/>
+            <p:nvPr/>
+          </p:nvSpPr>
+          <p:spPr>
+            <a:xfrm>
+              <a:off x="7696299" y="2643637"/>
+              <a:ext cx="1550504" cy="1327868"/>
+            </a:xfrm>
+            <a:prstGeom prst="rect">
+              <a:avLst/>
+            </a:prstGeom>
+          </p:spPr>
+          <p:style>
+            <a:lnRef idx="1">
+              <a:schemeClr val="accent1"/>
+            </a:lnRef>
+            <a:fillRef idx="2">
+              <a:schemeClr val="accent1"/>
+            </a:fillRef>
+            <a:effectRef idx="1">
+              <a:schemeClr val="accent1"/>
+            </a:effectRef>
+            <a:fontRef idx="minor">
+              <a:schemeClr val="dk1"/>
+            </a:fontRef>
+          </p:style>
+          <p:txBody>
+            <a:bodyPr rtlCol="0" anchor="ctr"/>
+            <a:lstStyle/>
+            <a:p>
+              <a:pPr algn="ctr"/>
+              <a:endParaRPr lang="en-US"/>
+            </a:p>
+          </p:txBody>
+        </p:sp>
+        <p:sp>
+          <p:nvSpPr>
+            <p:cNvPr id="6" name="Rectangle 5"/>
+            <p:cNvSpPr/>
+            <p:nvPr/>
+          </p:nvSpPr>
+          <p:spPr>
+            <a:xfrm>
+              <a:off x="7543899" y="2491237"/>
+              <a:ext cx="1550504" cy="1327868"/>
+            </a:xfrm>
+            <a:prstGeom prst="rect">
+              <a:avLst/>
+            </a:prstGeom>
+          </p:spPr>
+          <p:style>
+            <a:lnRef idx="1">
+              <a:schemeClr val="accent1"/>
+            </a:lnRef>
+            <a:fillRef idx="2">
+              <a:schemeClr val="accent1"/>
+            </a:fillRef>
+            <a:effectRef idx="1">
+              <a:schemeClr val="accent1"/>
+            </a:effectRef>
+            <a:fontRef idx="minor">
+              <a:schemeClr val="dk1"/>
+            </a:fontRef>
+          </p:style>
+          <p:txBody>
+            <a:bodyPr rtlCol="0" anchor="ctr"/>
+            <a:lstStyle/>
+            <a:p>
+              <a:pPr algn="ctr"/>
+              <a:endParaRPr lang="en-US"/>
+            </a:p>
+          </p:txBody>
+        </p:sp>
+        <p:sp>
+          <p:nvSpPr>
+            <p:cNvPr id="5" name="Rectangle 4"/>
+            <p:cNvSpPr/>
+            <p:nvPr/>
+          </p:nvSpPr>
+          <p:spPr>
+            <a:xfrm>
+              <a:off x="7391499" y="2338837"/>
+              <a:ext cx="1550504" cy="1327868"/>
+            </a:xfrm>
+            <a:prstGeom prst="rect">
+              <a:avLst/>
+            </a:prstGeom>
+          </p:spPr>
+          <p:style>
+            <a:lnRef idx="1">
+              <a:schemeClr val="accent1"/>
+            </a:lnRef>
+            <a:fillRef idx="2">
+              <a:schemeClr val="accent1"/>
+            </a:fillRef>
+            <a:effectRef idx="1">
+              <a:schemeClr val="accent1"/>
+            </a:effectRef>
+            <a:fontRef idx="minor">
+              <a:schemeClr val="dk1"/>
+            </a:fontRef>
+          </p:style>
+          <p:txBody>
+            <a:bodyPr rtlCol="0" anchor="ctr"/>
+            <a:lstStyle/>
+            <a:p>
+              <a:pPr algn="ctr"/>
+              <a:endParaRPr lang="en-US"/>
+            </a:p>
+          </p:txBody>
+        </p:sp>
+        <p:sp>
+          <p:nvSpPr>
+            <p:cNvPr id="4" name="Rectangle 3"/>
+            <p:cNvSpPr/>
+            <p:nvPr/>
+          </p:nvSpPr>
+          <p:spPr>
+            <a:xfrm>
+              <a:off x="7239099" y="2186437"/>
+              <a:ext cx="1550504" cy="1327868"/>
+            </a:xfrm>
+            <a:prstGeom prst="rect">
+              <a:avLst/>
+            </a:prstGeom>
+          </p:spPr>
+          <p:style>
+            <a:lnRef idx="1">
+              <a:schemeClr val="accent1"/>
+            </a:lnRef>
+            <a:fillRef idx="2">
+              <a:schemeClr val="accent1"/>
+            </a:fillRef>
+            <a:effectRef idx="1">
+              <a:schemeClr val="accent1"/>
+            </a:effectRef>
+            <a:fontRef idx="minor">
+              <a:schemeClr val="dk1"/>
+            </a:fontRef>
+          </p:style>
+          <p:txBody>
+            <a:bodyPr rtlCol="0" anchor="ctr"/>
+            <a:lstStyle/>
+            <a:p>
+              <a:pPr algn="ctr"/>
+              <a:endParaRPr lang="en-US"/>
+            </a:p>
+          </p:txBody>
+        </p:sp>
+      </p:grpSp>
+      <p:cxnSp>
+        <p:nvCxnSpPr>
+          <p:cNvPr id="10" name="Straight Arrow Connector 9"/>
+          <p:cNvCxnSpPr/>
+          <p:nvPr/>
+        </p:nvCxnSpPr>
+        <p:spPr>
+          <a:xfrm>
+            <a:off x="8902891" y="3643777"/>
+            <a:ext cx="518934" cy="532738"/>
+          </a:xfrm>
+          <a:prstGeom prst="straightConnector1">
+            <a:avLst/>
+          </a:prstGeom>
+          <a:ln>
+            <a:tailEnd type="triangle"/>
+          </a:ln>
+        </p:spPr>
+        <p:style>
+          <a:lnRef idx="1">
+            <a:schemeClr val="accent2"/>
+          </a:lnRef>
+          <a:fillRef idx="0">
+            <a:schemeClr val="accent2"/>
+          </a:fillRef>
+          <a:effectRef idx="0">
+            <a:schemeClr val="accent2"/>
+          </a:effectRef>
+          <a:fontRef idx="minor">
+            <a:schemeClr val="tx1"/>
+          </a:fontRef>
+        </p:style>
+      </p:cxnSp>
+      <p:sp>
+        <p:nvSpPr>
+          <p:cNvPr id="35" name="TextBox 34"/>
+          <p:cNvSpPr txBox="1"/>
+          <p:nvPr/>
+        </p:nvSpPr>
+        <p:spPr>
+          <a:xfrm>
+            <a:off x="2027897" y="2710383"/>
+            <a:ext cx="250390" cy="1323439"/>
+          </a:xfrm>
+          <a:prstGeom prst="rect">
+            <a:avLst/>
+          </a:prstGeom>
+          <a:noFill/>
+        </p:spPr>
+        <p:txBody>
+          <a:bodyPr wrap="none" rtlCol="0">
+            <a:spAutoFit/>
+          </a:bodyPr>
+          <a:lstStyle/>
+          <a:p>
+            <a:r>
+              <a:rPr lang="en-US" sz="1000" dirty="0" smtClean="0"/>
+              <a:t>1</a:t>
+            </a:r>
+          </a:p>
+          <a:p>
+            <a:r>
+              <a:rPr lang="en-US" sz="1000" dirty="0" smtClean="0"/>
+              <a:t>0</a:t>
+            </a:r>
+          </a:p>
+          <a:p>
+            <a:r>
+              <a:rPr lang="en-US" sz="1000" dirty="0" smtClean="0"/>
+              <a:t>2</a:t>
+            </a:r>
+          </a:p>
+          <a:p>
+            <a:r>
+              <a:rPr lang="en-US" sz="1000" dirty="0" smtClean="0"/>
+              <a:t>0</a:t>
+            </a:r>
+          </a:p>
+          <a:p>
+            <a:r>
+              <a:rPr lang="en-US" sz="1000" dirty="0" smtClean="0"/>
+              <a:t>3</a:t>
+            </a:r>
+          </a:p>
+          <a:p>
+            <a:r>
+              <a:rPr lang="en-US" sz="1000" dirty="0" smtClean="0"/>
+              <a:t>3</a:t>
+            </a:r>
+          </a:p>
+          <a:p>
+            <a:r>
+              <a:rPr lang="en-US" sz="1000" dirty="0" smtClean="0"/>
+              <a:t>0</a:t>
+            </a:r>
+          </a:p>
+          <a:p>
+            <a:r>
+              <a:rPr lang="en-US" sz="1000" dirty="0"/>
+              <a:t>4</a:t>
+            </a:r>
+            <a:endParaRPr lang="en-US" sz="1000" dirty="0" smtClean="0"/>
+          </a:p>
+        </p:txBody>
+      </p:sp>
+      <p:sp>
+        <p:nvSpPr>
+          <p:cNvPr id="36" name="TextBox 35"/>
+          <p:cNvSpPr txBox="1"/>
+          <p:nvPr/>
+        </p:nvSpPr>
+        <p:spPr>
+          <a:xfrm>
+            <a:off x="2237715" y="2716993"/>
+            <a:ext cx="250390" cy="1323439"/>
+          </a:xfrm>
+          <a:prstGeom prst="rect">
+            <a:avLst/>
+          </a:prstGeom>
+          <a:noFill/>
+        </p:spPr>
+        <p:txBody>
+          <a:bodyPr wrap="none" rtlCol="0">
+            <a:spAutoFit/>
+          </a:bodyPr>
+          <a:lstStyle/>
+          <a:p>
+            <a:r>
+              <a:rPr lang="en-US" sz="1000" dirty="0" smtClean="0"/>
+              <a:t>0</a:t>
+            </a:r>
+          </a:p>
+          <a:p>
+            <a:r>
+              <a:rPr lang="en-US" sz="1000" dirty="0" smtClean="0"/>
+              <a:t>0</a:t>
+            </a:r>
+          </a:p>
+          <a:p>
+            <a:r>
+              <a:rPr lang="en-US" sz="1000" dirty="0" smtClean="0"/>
+              <a:t>2</a:t>
+            </a:r>
+          </a:p>
+          <a:p>
+            <a:r>
+              <a:rPr lang="en-US" sz="1000" dirty="0" smtClean="0"/>
+              <a:t>0</a:t>
+            </a:r>
+          </a:p>
+          <a:p>
+            <a:r>
+              <a:rPr lang="en-US" sz="1000" dirty="0" smtClean="0"/>
+              <a:t>1</a:t>
+            </a:r>
+          </a:p>
+          <a:p>
+            <a:r>
+              <a:rPr lang="en-US" sz="1000" dirty="0" smtClean="0"/>
+              <a:t>0</a:t>
+            </a:r>
+          </a:p>
+          <a:p>
+            <a:r>
+              <a:rPr lang="en-US" sz="1000" dirty="0" smtClean="0"/>
+              <a:t>2</a:t>
+            </a:r>
+          </a:p>
+          <a:p>
+            <a:r>
+              <a:rPr lang="en-US" sz="1000" dirty="0"/>
+              <a:t>2</a:t>
+            </a:r>
+            <a:endParaRPr lang="en-US" sz="1000" dirty="0" smtClean="0"/>
+          </a:p>
+        </p:txBody>
+      </p:sp>
+      <p:sp>
+        <p:nvSpPr>
+          <p:cNvPr id="37" name="TextBox 36"/>
+          <p:cNvSpPr txBox="1"/>
+          <p:nvPr/>
+        </p:nvSpPr>
+        <p:spPr>
+          <a:xfrm>
+            <a:off x="2464725" y="2723604"/>
+            <a:ext cx="250390" cy="1323439"/>
+          </a:xfrm>
+          <a:prstGeom prst="rect">
+            <a:avLst/>
+          </a:prstGeom>
+          <a:noFill/>
+        </p:spPr>
+        <p:txBody>
+          <a:bodyPr wrap="none" rtlCol="0">
+            <a:spAutoFit/>
+          </a:bodyPr>
+          <a:lstStyle/>
+          <a:p>
+            <a:r>
+              <a:rPr lang="en-US" sz="1000" dirty="0" smtClean="0"/>
+              <a:t>6</a:t>
+            </a:r>
+          </a:p>
+          <a:p>
+            <a:r>
+              <a:rPr lang="en-US" sz="1000" dirty="0" smtClean="0"/>
+              <a:t>5</a:t>
+            </a:r>
+          </a:p>
+          <a:p>
+            <a:r>
+              <a:rPr lang="en-US" sz="1000" dirty="0" smtClean="0"/>
+              <a:t>3</a:t>
+            </a:r>
+          </a:p>
+          <a:p>
+            <a:r>
+              <a:rPr lang="en-US" sz="1000" dirty="0" smtClean="0"/>
+              <a:t>3</a:t>
+            </a:r>
+          </a:p>
+          <a:p>
+            <a:r>
+              <a:rPr lang="en-US" sz="1000" dirty="0" smtClean="0"/>
+              <a:t>4</a:t>
+            </a:r>
+          </a:p>
+          <a:p>
+            <a:r>
+              <a:rPr lang="en-US" sz="1000" dirty="0" smtClean="0"/>
+              <a:t>0</a:t>
+            </a:r>
+          </a:p>
+          <a:p>
+            <a:r>
+              <a:rPr lang="en-US" sz="1000" dirty="0" smtClean="0"/>
+              <a:t>4</a:t>
+            </a:r>
+          </a:p>
+          <a:p>
+            <a:r>
+              <a:rPr lang="en-US" sz="1000" dirty="0"/>
+              <a:t>2</a:t>
+            </a:r>
+            <a:endParaRPr lang="en-US" sz="1000" dirty="0" smtClean="0"/>
+          </a:p>
+        </p:txBody>
+      </p:sp>
+      <p:sp>
+        <p:nvSpPr>
+          <p:cNvPr id="38" name="TextBox 37"/>
+          <p:cNvSpPr txBox="1"/>
+          <p:nvPr/>
+        </p:nvSpPr>
+        <p:spPr>
+          <a:xfrm>
+            <a:off x="7347473" y="2280445"/>
+            <a:ext cx="341760" cy="1323439"/>
+          </a:xfrm>
+          <a:prstGeom prst="rect">
+            <a:avLst/>
+          </a:prstGeom>
+          <a:noFill/>
+        </p:spPr>
+        <p:txBody>
+          <a:bodyPr wrap="none" rtlCol="0">
+            <a:spAutoFit/>
+          </a:bodyPr>
+          <a:lstStyle/>
+          <a:p>
+            <a:r>
+              <a:rPr lang="en-US" sz="1000" dirty="0" smtClean="0"/>
+              <a:t>1</a:t>
+            </a:r>
+          </a:p>
+          <a:p>
+            <a:r>
+              <a:rPr lang="en-US" sz="1000" dirty="0" smtClean="0"/>
+              <a:t>0</a:t>
+            </a:r>
+          </a:p>
+          <a:p>
+            <a:r>
+              <a:rPr lang="en-US" sz="1000" dirty="0" smtClean="0"/>
+              <a:t>2</a:t>
+            </a:r>
+          </a:p>
+          <a:p>
+            <a:r>
+              <a:rPr lang="en-US" sz="1000" dirty="0" smtClean="0"/>
+              <a:t>0</a:t>
+            </a:r>
+          </a:p>
+          <a:p>
+            <a:r>
+              <a:rPr lang="en-US" sz="1000" dirty="0" smtClean="0"/>
+              <a:t>3</a:t>
+            </a:r>
+          </a:p>
+          <a:p>
+            <a:r>
+              <a:rPr lang="en-US" sz="1000" dirty="0" smtClean="0"/>
+              <a:t>3</a:t>
+            </a:r>
+          </a:p>
+          <a:p>
+            <a:r>
+              <a:rPr lang="en-US" sz="1000" dirty="0" smtClean="0"/>
+              <a:t>NA</a:t>
+            </a:r>
+          </a:p>
+          <a:p>
+            <a:r>
+              <a:rPr lang="en-US" sz="1000" dirty="0" smtClean="0"/>
+              <a:t>NA</a:t>
+            </a:r>
+            <a:endParaRPr lang="en-US" sz="1000" dirty="0" smtClean="0"/>
+          </a:p>
+        </p:txBody>
+      </p:sp>
+      <p:sp>
+        <p:nvSpPr>
+          <p:cNvPr id="39" name="TextBox 38"/>
+          <p:cNvSpPr txBox="1"/>
+          <p:nvPr/>
+        </p:nvSpPr>
+        <p:spPr>
+          <a:xfrm>
+            <a:off x="7557291" y="2287055"/>
+            <a:ext cx="250390" cy="1323439"/>
+          </a:xfrm>
+          <a:prstGeom prst="rect">
+            <a:avLst/>
+          </a:prstGeom>
+          <a:noFill/>
+        </p:spPr>
+        <p:txBody>
+          <a:bodyPr wrap="none" rtlCol="0">
+            <a:spAutoFit/>
+          </a:bodyPr>
+          <a:lstStyle/>
+          <a:p>
+            <a:r>
+              <a:rPr lang="en-US" sz="1000" dirty="0" smtClean="0"/>
+              <a:t>0</a:t>
+            </a:r>
+          </a:p>
+          <a:p>
+            <a:r>
+              <a:rPr lang="en-US" sz="1000" dirty="0" smtClean="0"/>
+              <a:t>0</a:t>
+            </a:r>
+          </a:p>
+          <a:p>
+            <a:r>
+              <a:rPr lang="en-US" sz="1000" dirty="0" smtClean="0"/>
+              <a:t>2</a:t>
+            </a:r>
+          </a:p>
+          <a:p>
+            <a:r>
+              <a:rPr lang="en-US" sz="1000" dirty="0" smtClean="0"/>
+              <a:t>0</a:t>
+            </a:r>
+          </a:p>
+          <a:p>
+            <a:r>
+              <a:rPr lang="en-US" sz="1000" dirty="0" smtClean="0"/>
+              <a:t>1</a:t>
+            </a:r>
+          </a:p>
+          <a:p>
+            <a:r>
+              <a:rPr lang="en-US" sz="1000" dirty="0" smtClean="0"/>
+              <a:t>0</a:t>
+            </a:r>
+          </a:p>
+          <a:p>
+            <a:r>
+              <a:rPr lang="en-US" sz="1000" dirty="0" smtClean="0"/>
+              <a:t>2</a:t>
+            </a:r>
+          </a:p>
+          <a:p>
+            <a:r>
+              <a:rPr lang="en-US" sz="1000" dirty="0"/>
+              <a:t>2</a:t>
+            </a:r>
+            <a:endParaRPr lang="en-US" sz="1000" dirty="0" smtClean="0"/>
+          </a:p>
+        </p:txBody>
+      </p:sp>
+      <p:sp>
+        <p:nvSpPr>
+          <p:cNvPr id="40" name="TextBox 39"/>
+          <p:cNvSpPr txBox="1"/>
+          <p:nvPr/>
+        </p:nvSpPr>
+        <p:spPr>
+          <a:xfrm>
+            <a:off x="7784301" y="2293666"/>
+            <a:ext cx="341760" cy="1323439"/>
+          </a:xfrm>
+          <a:prstGeom prst="rect">
+            <a:avLst/>
+          </a:prstGeom>
+          <a:noFill/>
+        </p:spPr>
+        <p:txBody>
+          <a:bodyPr wrap="none" rtlCol="0">
+            <a:spAutoFit/>
+          </a:bodyPr>
+          <a:lstStyle/>
+          <a:p>
+            <a:r>
+              <a:rPr lang="en-US" sz="1000" dirty="0" smtClean="0"/>
+              <a:t>6</a:t>
+            </a:r>
+          </a:p>
+          <a:p>
+            <a:r>
+              <a:rPr lang="en-US" sz="1000" dirty="0" smtClean="0"/>
+              <a:t>5</a:t>
+            </a:r>
+          </a:p>
+          <a:p>
+            <a:r>
+              <a:rPr lang="en-US" sz="1000" dirty="0" smtClean="0"/>
+              <a:t>3</a:t>
+            </a:r>
+          </a:p>
+          <a:p>
+            <a:r>
+              <a:rPr lang="en-US" sz="1000" dirty="0" smtClean="0"/>
+              <a:t>3</a:t>
+            </a:r>
+          </a:p>
+          <a:p>
+            <a:r>
+              <a:rPr lang="en-US" sz="1000" dirty="0" smtClean="0"/>
+              <a:t>NA</a:t>
+            </a:r>
+          </a:p>
+          <a:p>
+            <a:r>
+              <a:rPr lang="en-US" sz="1000" dirty="0" smtClean="0"/>
+              <a:t>NA</a:t>
+            </a:r>
+          </a:p>
+          <a:p>
+            <a:r>
+              <a:rPr lang="en-US" sz="1000" dirty="0" smtClean="0"/>
+              <a:t>NA</a:t>
+            </a:r>
+          </a:p>
+          <a:p>
+            <a:r>
+              <a:rPr lang="en-US" sz="1000" dirty="0" smtClean="0"/>
+              <a:t>NA</a:t>
+            </a:r>
+            <a:endParaRPr lang="en-US" sz="1000" dirty="0" smtClean="0"/>
+          </a:p>
+        </p:txBody>
+      </p:sp>
+    </p:spTree>
+    <p:extLst>
+      <p:ext uri="{BB962C8B-B14F-4D97-AF65-F5344CB8AC3E}">
+        <p14:creationId xmlns:p14="http://schemas.microsoft.com/office/powerpoint/2010/main" val="4029423552"/>
+      </p:ext>
+    </p:extLst>
+  </p:cSld>
+  <p:clrMapOvr>
+    <a:masterClrMapping/>
+  </p:clrMapOvr>
+</p:sld>
+</file>
+
+<file path=ppt/slides/slide2.xml><?xml version="1.0" encoding="utf-8"?>
+<p:sld xmlns:a="http://schemas.openxmlformats.org/drawingml/2006/main" xmlns:r="http://schemas.openxmlformats.org/officeDocument/2006/relationships" xmlns:p="http://schemas.openxmlformats.org/presentationml/2006/main">
+  <p:cSld>
+    <p:spTree>
+      <p:nvGrpSpPr>
+        <p:cNvPr id="1" name=""/>
+        <p:cNvGrpSpPr/>
+        <p:nvPr/>
+      </p:nvGrpSpPr>
+      <p:grpSpPr>
+        <a:xfrm>
+          <a:off x="0" y="0"/>
+          <a:ext cx="0" cy="0"/>
+          <a:chOff x="0" y="0"/>
+          <a:chExt cx="0" cy="0"/>
+        </a:xfrm>
+      </p:grpSpPr>
+      <p:grpSp>
+        <p:nvGrpSpPr>
+          <p:cNvPr id="84" name="Group 83"/>
+          <p:cNvGrpSpPr/>
+          <p:nvPr/>
+        </p:nvGrpSpPr>
+        <p:grpSpPr>
+          <a:xfrm>
+            <a:off x="1812597" y="4552616"/>
+            <a:ext cx="2007704" cy="1785068"/>
+            <a:chOff x="7239099" y="2186437"/>
+            <a:chExt cx="2007704" cy="1785068"/>
+          </a:xfrm>
+        </p:grpSpPr>
+        <p:sp>
+          <p:nvSpPr>
+            <p:cNvPr id="85" name="Rectangle 84"/>
+            <p:cNvSpPr/>
+            <p:nvPr/>
+          </p:nvSpPr>
+          <p:spPr>
+            <a:xfrm>
+              <a:off x="7696299" y="2643637"/>
+              <a:ext cx="1550504" cy="1327868"/>
+            </a:xfrm>
+            <a:prstGeom prst="rect">
+              <a:avLst/>
+            </a:prstGeom>
+          </p:spPr>
+          <p:style>
+            <a:lnRef idx="1">
+              <a:schemeClr val="accent1"/>
+            </a:lnRef>
+            <a:fillRef idx="2">
+              <a:schemeClr val="accent1"/>
+            </a:fillRef>
+            <a:effectRef idx="1">
+              <a:schemeClr val="accent1"/>
+            </a:effectRef>
+            <a:fontRef idx="minor">
+              <a:schemeClr val="dk1"/>
+            </a:fontRef>
+          </p:style>
+          <p:txBody>
+            <a:bodyPr rtlCol="0" anchor="ctr"/>
+            <a:lstStyle/>
+            <a:p>
+              <a:pPr algn="ctr"/>
+              <a:endParaRPr lang="en-US"/>
+            </a:p>
+          </p:txBody>
+        </p:sp>
+        <p:sp>
+          <p:nvSpPr>
+            <p:cNvPr id="86" name="Rectangle 85"/>
+            <p:cNvSpPr/>
+            <p:nvPr/>
+          </p:nvSpPr>
+          <p:spPr>
+            <a:xfrm>
+              <a:off x="7543899" y="2491237"/>
+              <a:ext cx="1550504" cy="1327868"/>
+            </a:xfrm>
+            <a:prstGeom prst="rect">
+              <a:avLst/>
+            </a:prstGeom>
+          </p:spPr>
+          <p:style>
+            <a:lnRef idx="1">
+              <a:schemeClr val="accent1"/>
+            </a:lnRef>
+            <a:fillRef idx="2">
+              <a:schemeClr val="accent1"/>
+            </a:fillRef>
+            <a:effectRef idx="1">
+              <a:schemeClr val="accent1"/>
+            </a:effectRef>
+            <a:fontRef idx="minor">
+              <a:schemeClr val="dk1"/>
+            </a:fontRef>
+          </p:style>
+          <p:txBody>
+            <a:bodyPr rtlCol="0" anchor="ctr"/>
+            <a:lstStyle/>
+            <a:p>
+              <a:pPr algn="ctr"/>
+              <a:endParaRPr lang="en-US"/>
+            </a:p>
+          </p:txBody>
+        </p:sp>
+        <p:sp>
+          <p:nvSpPr>
+            <p:cNvPr id="87" name="Rectangle 86"/>
+            <p:cNvSpPr/>
+            <p:nvPr/>
+          </p:nvSpPr>
+          <p:spPr>
+            <a:xfrm>
+              <a:off x="7391499" y="2338837"/>
+              <a:ext cx="1550504" cy="1327868"/>
+            </a:xfrm>
+            <a:prstGeom prst="rect">
+              <a:avLst/>
+            </a:prstGeom>
+          </p:spPr>
+          <p:style>
+            <a:lnRef idx="1">
+              <a:schemeClr val="accent1"/>
+            </a:lnRef>
+            <a:fillRef idx="2">
+              <a:schemeClr val="accent1"/>
+            </a:fillRef>
+            <a:effectRef idx="1">
+              <a:schemeClr val="accent1"/>
+            </a:effectRef>
+            <a:fontRef idx="minor">
+              <a:schemeClr val="dk1"/>
+            </a:fontRef>
+          </p:style>
+          <p:txBody>
+            <a:bodyPr rtlCol="0" anchor="ctr"/>
+            <a:lstStyle/>
+            <a:p>
+              <a:pPr algn="ctr"/>
+              <a:endParaRPr lang="en-US"/>
+            </a:p>
+          </p:txBody>
+        </p:sp>
+        <p:sp>
+          <p:nvSpPr>
+            <p:cNvPr id="88" name="Rectangle 87"/>
+            <p:cNvSpPr/>
+            <p:nvPr/>
+          </p:nvSpPr>
+          <p:spPr>
+            <a:xfrm>
+              <a:off x="7239099" y="2186437"/>
+              <a:ext cx="1550504" cy="1327868"/>
+            </a:xfrm>
+            <a:prstGeom prst="rect">
+              <a:avLst/>
+            </a:prstGeom>
+          </p:spPr>
+          <p:style>
+            <a:lnRef idx="1">
+              <a:schemeClr val="accent1"/>
+            </a:lnRef>
+            <a:fillRef idx="2">
+              <a:schemeClr val="accent1"/>
+            </a:fillRef>
+            <a:effectRef idx="1">
+              <a:schemeClr val="accent1"/>
+            </a:effectRef>
+            <a:fontRef idx="minor">
+              <a:schemeClr val="dk1"/>
+            </a:fontRef>
+          </p:style>
+          <p:txBody>
+            <a:bodyPr rtlCol="0" anchor="ctr"/>
+            <a:lstStyle/>
+            <a:p>
+              <a:pPr algn="ctr"/>
+              <a:endParaRPr lang="en-US"/>
+            </a:p>
+          </p:txBody>
+        </p:sp>
+      </p:grpSp>
+      <p:sp>
+        <p:nvSpPr>
+          <p:cNvPr id="37" name="TextBox 36"/>
+          <p:cNvSpPr txBox="1"/>
+          <p:nvPr/>
+        </p:nvSpPr>
+        <p:spPr>
+          <a:xfrm>
+            <a:off x="558416" y="3411499"/>
+            <a:ext cx="4554117" cy="646331"/>
+          </a:xfrm>
+          <a:prstGeom prst="rect">
+            <a:avLst/>
+          </a:prstGeom>
+          <a:noFill/>
+        </p:spPr>
+        <p:txBody>
+          <a:bodyPr wrap="square" rtlCol="0">
+            <a:spAutoFit/>
+          </a:bodyPr>
+          <a:lstStyle/>
+          <a:p>
+            <a:r>
+              <a:rPr lang="en-US" sz="1200" dirty="0" smtClean="0"/>
+              <a:t>Hl[ 10, 10, 11]</a:t>
+            </a:r>
+          </a:p>
+          <a:p>
+            <a:pPr marL="285750" indent="-285750">
+              <a:buFont typeface="Arial" panose="020B0604020202020204" pitchFamily="34" charset="0"/>
+              <a:buChar char="•"/>
+            </a:pPr>
+            <a:r>
+              <a:rPr lang="en-US" sz="1200" dirty="0" smtClean="0"/>
+              <a:t>Summarizes [store]; </a:t>
+            </a:r>
+            <a:r>
+              <a:rPr lang="en-US" sz="1200" dirty="0" smtClean="0"/>
+              <a:t>each cell in hl[,,] is the average of all cells of store[,] (direct comparison of all individuals within 2 groups) </a:t>
+            </a:r>
+            <a:endParaRPr lang="en-US" sz="1200" dirty="0"/>
+          </a:p>
         </p:txBody>
       </p:sp>
       <p:sp>
@@ -3404,7 +4838,7 @@
         </p:nvSpPr>
         <p:spPr>
           <a:xfrm>
-            <a:off x="8191169" y="1596224"/>
+            <a:off x="8667654" y="1931646"/>
             <a:ext cx="1550504" cy="1327868"/>
           </a:xfrm>
           <a:prstGeom prst="rect">
@@ -3442,7 +4876,7 @@
         </p:nvCxnSpPr>
         <p:spPr>
           <a:xfrm>
-            <a:off x="7966584" y="1520024"/>
+            <a:off x="8355766" y="1856457"/>
             <a:ext cx="0" cy="1708206"/>
           </a:xfrm>
           <a:prstGeom prst="straightConnector1">
@@ -3467,85 +4901,6 @@
           </a:fontRef>
         </p:style>
       </p:cxnSp>
-      <p:cxnSp>
-        <p:nvCxnSpPr>
-          <p:cNvPr id="23" name="Straight Arrow Connector 22"/>
-          <p:cNvCxnSpPr/>
-          <p:nvPr/>
-        </p:nvCxnSpPr>
-        <p:spPr>
-          <a:xfrm flipV="1">
-            <a:off x="8246828" y="1390836"/>
-            <a:ext cx="1834400" cy="5561"/>
-          </a:xfrm>
-          <a:prstGeom prst="straightConnector1">
-            <a:avLst/>
-          </a:prstGeom>
-          <a:ln>
-            <a:tailEnd type="triangle"/>
-          </a:ln>
-        </p:spPr>
-        <p:style>
-          <a:lnRef idx="1">
-            <a:schemeClr val="accent6"/>
-          </a:lnRef>
-          <a:fillRef idx="0">
-            <a:schemeClr val="accent6"/>
-          </a:fillRef>
-          <a:effectRef idx="0">
-            <a:schemeClr val="accent6"/>
-          </a:effectRef>
-          <a:fontRef idx="minor">
-            <a:schemeClr val="tx1"/>
-          </a:fontRef>
-        </p:style>
-      </p:cxnSp>
-      <p:sp>
-        <p:nvSpPr>
-          <p:cNvPr id="25" name="TextBox 24"/>
-          <p:cNvSpPr txBox="1"/>
-          <p:nvPr/>
-        </p:nvSpPr>
-        <p:spPr>
-          <a:xfrm>
-            <a:off x="8580193" y="1021504"/>
-            <a:ext cx="679994" cy="369332"/>
-          </a:xfrm>
-          <a:prstGeom prst="rect">
-            <a:avLst/>
-          </a:prstGeom>
-          <a:noFill/>
-        </p:spPr>
-        <p:txBody>
-          <a:bodyPr wrap="none" rtlCol="0">
-            <a:spAutoFit/>
-          </a:bodyPr>
-          <a:lstStyle/>
-          <a:p>
-            <a:r>
-              <a:rPr lang="en-US" dirty="0" err="1" smtClean="0">
-                <a:solidFill>
-                  <a:srgbClr val="00B050"/>
-                </a:solidFill>
-              </a:rPr>
-              <a:t>Ind</a:t>
-            </a:r>
-            <a:r>
-              <a:rPr lang="en-US" dirty="0" smtClean="0">
-                <a:solidFill>
-                  <a:srgbClr val="00B050"/>
-                </a:solidFill>
-              </a:rPr>
-              <a:t>(l)</a:t>
-            </a:r>
-            <a:endParaRPr lang="en-US" dirty="0">
-              <a:solidFill>
-                <a:srgbClr val="00B050"/>
-              </a:solidFill>
-            </a:endParaRPr>
-          </a:p>
-        </p:txBody>
-      </p:sp>
       <p:sp>
         <p:nvSpPr>
           <p:cNvPr id="26" name="TextBox 25"/>
@@ -3554,8 +4909,8 @@
         </p:nvSpPr>
         <p:spPr>
           <a:xfrm>
-            <a:off x="5937412" y="385654"/>
-            <a:ext cx="3084835" cy="1077218"/>
+            <a:off x="5690817" y="66725"/>
+            <a:ext cx="4719799" cy="1200329"/>
           </a:xfrm>
           <a:prstGeom prst="rect">
             <a:avLst/>
@@ -3569,7 +4924,7 @@
           <a:lstStyle/>
           <a:p>
             <a:r>
-              <a:rPr lang="en-US" sz="1600" dirty="0" smtClean="0"/>
+              <a:rPr lang="en-US" sz="1200" dirty="0" smtClean="0"/>
               <a:t>Store[202,202]</a:t>
             </a:r>
           </a:p>
@@ -3579,18 +4934,42 @@
               <a:buChar char="•"/>
             </a:pPr>
             <a:r>
-              <a:rPr lang="en-US" sz="1600" dirty="0" smtClean="0"/>
+              <a:rPr lang="en-US" sz="1200" dirty="0" smtClean="0"/>
               <a:t>Pairwise difference in grades (</a:t>
             </a:r>
             <a:r>
-              <a:rPr lang="en-US" sz="1600" dirty="0" err="1" smtClean="0"/>
+              <a:rPr lang="en-US" sz="1200" dirty="0" err="1" smtClean="0"/>
               <a:t>zscores</a:t>
             </a:r>
             <a:r>
-              <a:rPr lang="en-US" sz="1600" dirty="0" smtClean="0"/>
-              <a:t>) of individuals between 2 groups</a:t>
-            </a:r>
-            <a:endParaRPr lang="en-US" sz="1600" dirty="0"/>
+              <a:rPr lang="en-US" sz="1200" dirty="0" smtClean="0"/>
+              <a:t>) of individuals </a:t>
+            </a:r>
+            <a:r>
+              <a:rPr lang="en-US" sz="1200" dirty="0" smtClean="0"/>
+              <a:t>within/between any 2 groups</a:t>
+            </a:r>
+          </a:p>
+          <a:p>
+            <a:pPr marL="285750" indent="-285750">
+              <a:buFont typeface="Arial" panose="020B0604020202020204" pitchFamily="34" charset="0"/>
+              <a:buChar char="•"/>
+            </a:pPr>
+            <a:r>
+              <a:rPr lang="en-US" sz="1200" dirty="0" smtClean="0"/>
+              <a:t>Matrix gets filled in iteratively, then summarized (mean) in hl[,,]</a:t>
+            </a:r>
+          </a:p>
+          <a:p>
+            <a:pPr marL="285750" indent="-285750">
+              <a:buFont typeface="Arial" panose="020B0604020202020204" pitchFamily="34" charset="0"/>
+              <a:buChar char="•"/>
+            </a:pPr>
+            <a:r>
+              <a:rPr lang="en-US" sz="1200" dirty="0" smtClean="0"/>
+              <a:t>Reset[,] contains all NAs to clear Store[,] after each set of comparisons (groups)</a:t>
+            </a:r>
+            <a:endParaRPr lang="en-US" sz="1200" dirty="0"/>
           </a:p>
         </p:txBody>
       </p:sp>
@@ -3602,7 +4981,7 @@
         </p:nvSpPr>
         <p:spPr>
           <a:xfrm>
-            <a:off x="7105369" y="1984082"/>
+            <a:off x="7581854" y="2319504"/>
             <a:ext cx="748923" cy="369332"/>
           </a:xfrm>
           <a:prstGeom prst="rect">
@@ -3630,7 +5009,15 @@
                   <a:srgbClr val="0070C0"/>
                 </a:solidFill>
               </a:rPr>
-              <a:t>(n)</a:t>
+              <a:t>[</a:t>
+            </a:r>
+            <a:r>
+              <a:rPr lang="en-US" dirty="0" smtClean="0">
+                <a:solidFill>
+                  <a:srgbClr val="0070C0"/>
+                </a:solidFill>
+              </a:rPr>
+              <a:t>n]</a:t>
             </a:r>
             <a:endParaRPr lang="en-US" dirty="0">
               <a:solidFill>
@@ -3640,191 +5027,6 @@
           </a:p>
         </p:txBody>
       </p:sp>
-      <p:sp>
-        <p:nvSpPr>
-          <p:cNvPr id="29" name="Rectangle 28"/>
-          <p:cNvSpPr/>
-          <p:nvPr/>
-        </p:nvSpPr>
-        <p:spPr>
-          <a:xfrm>
-            <a:off x="1791130" y="4498108"/>
-            <a:ext cx="1550504" cy="1327868"/>
-          </a:xfrm>
-          <a:prstGeom prst="rect">
-            <a:avLst/>
-          </a:prstGeom>
-        </p:spPr>
-        <p:style>
-          <a:lnRef idx="1">
-            <a:schemeClr val="accent1"/>
-          </a:lnRef>
-          <a:fillRef idx="2">
-            <a:schemeClr val="accent1"/>
-          </a:fillRef>
-          <a:effectRef idx="1">
-            <a:schemeClr val="accent1"/>
-          </a:effectRef>
-          <a:fontRef idx="minor">
-            <a:schemeClr val="dk1"/>
-          </a:fontRef>
-        </p:style>
-        <p:txBody>
-          <a:bodyPr rtlCol="0" anchor="ctr"/>
-          <a:lstStyle/>
-          <a:p>
-            <a:pPr algn="ctr"/>
-            <a:endParaRPr lang="en-US"/>
-          </a:p>
-        </p:txBody>
-      </p:sp>
-      <p:sp>
-        <p:nvSpPr>
-          <p:cNvPr id="30" name="Rectangle 29"/>
-          <p:cNvSpPr/>
-          <p:nvPr/>
-        </p:nvSpPr>
-        <p:spPr>
-          <a:xfrm>
-            <a:off x="1943530" y="4650508"/>
-            <a:ext cx="1550504" cy="1327868"/>
-          </a:xfrm>
-          <a:prstGeom prst="rect">
-            <a:avLst/>
-          </a:prstGeom>
-        </p:spPr>
-        <p:style>
-          <a:lnRef idx="1">
-            <a:schemeClr val="accent1"/>
-          </a:lnRef>
-          <a:fillRef idx="2">
-            <a:schemeClr val="accent1"/>
-          </a:fillRef>
-          <a:effectRef idx="1">
-            <a:schemeClr val="accent1"/>
-          </a:effectRef>
-          <a:fontRef idx="minor">
-            <a:schemeClr val="dk1"/>
-          </a:fontRef>
-        </p:style>
-        <p:txBody>
-          <a:bodyPr rtlCol="0" anchor="ctr"/>
-          <a:lstStyle/>
-          <a:p>
-            <a:pPr algn="ctr"/>
-            <a:endParaRPr lang="en-US"/>
-          </a:p>
-        </p:txBody>
-      </p:sp>
-      <p:sp>
-        <p:nvSpPr>
-          <p:cNvPr id="31" name="Rectangle 30"/>
-          <p:cNvSpPr/>
-          <p:nvPr/>
-        </p:nvSpPr>
-        <p:spPr>
-          <a:xfrm>
-            <a:off x="2095930" y="4802908"/>
-            <a:ext cx="1550504" cy="1327868"/>
-          </a:xfrm>
-          <a:prstGeom prst="rect">
-            <a:avLst/>
-          </a:prstGeom>
-        </p:spPr>
-        <p:style>
-          <a:lnRef idx="1">
-            <a:schemeClr val="accent1"/>
-          </a:lnRef>
-          <a:fillRef idx="2">
-            <a:schemeClr val="accent1"/>
-          </a:fillRef>
-          <a:effectRef idx="1">
-            <a:schemeClr val="accent1"/>
-          </a:effectRef>
-          <a:fontRef idx="minor">
-            <a:schemeClr val="dk1"/>
-          </a:fontRef>
-        </p:style>
-        <p:txBody>
-          <a:bodyPr rtlCol="0" anchor="ctr"/>
-          <a:lstStyle/>
-          <a:p>
-            <a:pPr algn="ctr"/>
-            <a:endParaRPr lang="en-US"/>
-          </a:p>
-        </p:txBody>
-      </p:sp>
-      <p:sp>
-        <p:nvSpPr>
-          <p:cNvPr id="32" name="Rectangle 31"/>
-          <p:cNvSpPr/>
-          <p:nvPr/>
-        </p:nvSpPr>
-        <p:spPr>
-          <a:xfrm>
-            <a:off x="2248330" y="4955308"/>
-            <a:ext cx="1550504" cy="1327868"/>
-          </a:xfrm>
-          <a:prstGeom prst="rect">
-            <a:avLst/>
-          </a:prstGeom>
-        </p:spPr>
-        <p:style>
-          <a:lnRef idx="1">
-            <a:schemeClr val="accent1"/>
-          </a:lnRef>
-          <a:fillRef idx="2">
-            <a:schemeClr val="accent1"/>
-          </a:fillRef>
-          <a:effectRef idx="1">
-            <a:schemeClr val="accent1"/>
-          </a:effectRef>
-          <a:fontRef idx="minor">
-            <a:schemeClr val="dk1"/>
-          </a:fontRef>
-        </p:style>
-        <p:txBody>
-          <a:bodyPr rtlCol="0" anchor="ctr"/>
-          <a:lstStyle/>
-          <a:p>
-            <a:pPr algn="ctr"/>
-            <a:endParaRPr lang="en-US"/>
-          </a:p>
-        </p:txBody>
-      </p:sp>
-      <p:cxnSp>
-        <p:nvCxnSpPr>
-          <p:cNvPr id="33" name="Straight Arrow Connector 32"/>
-          <p:cNvCxnSpPr/>
-          <p:nvPr/>
-        </p:nvCxnSpPr>
-        <p:spPr>
-          <a:xfrm>
-            <a:off x="1592348" y="4650508"/>
-            <a:ext cx="0" cy="1708206"/>
-          </a:xfrm>
-          <a:prstGeom prst="straightConnector1">
-            <a:avLst/>
-          </a:prstGeom>
-          <a:ln>
-            <a:tailEnd type="triangle"/>
-          </a:ln>
-        </p:spPr>
-        <p:style>
-          <a:lnRef idx="1">
-            <a:schemeClr val="accent1"/>
-          </a:lnRef>
-          <a:fillRef idx="0">
-            <a:schemeClr val="accent1"/>
-          </a:fillRef>
-          <a:effectRef idx="0">
-            <a:schemeClr val="accent1"/>
-          </a:effectRef>
-          <a:fontRef idx="minor">
-            <a:schemeClr val="tx1"/>
-          </a:fontRef>
-        </p:style>
-      </p:cxnSp>
       <p:cxnSp>
         <p:nvCxnSpPr>
           <p:cNvPr id="34" name="Straight Arrow Connector 33"/>
@@ -3833,8 +5035,8 @@
         </p:nvCxnSpPr>
         <p:spPr>
           <a:xfrm>
-            <a:off x="1846789" y="4362936"/>
-            <a:ext cx="1280160" cy="0"/>
+            <a:off x="1949969" y="4394415"/>
+            <a:ext cx="1565532" cy="8972"/>
           </a:xfrm>
           <a:prstGeom prst="straightConnector1">
             <a:avLst/>
@@ -3866,8 +5068,8 @@
         </p:nvCxnSpPr>
         <p:spPr>
           <a:xfrm>
-            <a:off x="3083215" y="5597376"/>
-            <a:ext cx="914400" cy="914400"/>
+            <a:off x="3331808" y="5881503"/>
+            <a:ext cx="644461" cy="624844"/>
           </a:xfrm>
           <a:prstGeom prst="straightConnector1">
             <a:avLst/>
@@ -3893,14 +5095,14 @@
       </p:cxnSp>
       <p:sp>
         <p:nvSpPr>
-          <p:cNvPr id="36" name="TextBox 35"/>
+          <p:cNvPr id="38" name="TextBox 37"/>
           <p:cNvSpPr txBox="1"/>
           <p:nvPr/>
         </p:nvSpPr>
         <p:spPr>
           <a:xfrm>
-            <a:off x="2176129" y="4020310"/>
-            <a:ext cx="1070614" cy="369332"/>
+            <a:off x="3700754" y="6458605"/>
+            <a:ext cx="792396" cy="369332"/>
           </a:xfrm>
           <a:prstGeom prst="rect">
             <a:avLst/>
@@ -3916,50 +5118,12 @@
             <a:r>
               <a:rPr lang="en-US" dirty="0" smtClean="0">
                 <a:solidFill>
-                  <a:srgbClr val="00B050"/>
-                </a:solidFill>
-              </a:rPr>
-              <a:t>Group (k)</a:t>
-            </a:r>
-            <a:endParaRPr lang="en-US" dirty="0">
-              <a:solidFill>
-                <a:srgbClr val="00B050"/>
-              </a:solidFill>
-            </a:endParaRPr>
-          </a:p>
-        </p:txBody>
-      </p:sp>
-      <p:sp>
-        <p:nvSpPr>
-          <p:cNvPr id="38" name="TextBox 37"/>
-          <p:cNvSpPr txBox="1"/>
-          <p:nvPr/>
-        </p:nvSpPr>
-        <p:spPr>
-          <a:xfrm>
-            <a:off x="3494034" y="6435778"/>
-            <a:ext cx="845296" cy="369332"/>
-          </a:xfrm>
-          <a:prstGeom prst="rect">
-            <a:avLst/>
-          </a:prstGeom>
-          <a:noFill/>
-        </p:spPr>
-        <p:txBody>
-          <a:bodyPr wrap="none" rtlCol="0">
-            <a:spAutoFit/>
-          </a:bodyPr>
-          <a:lstStyle/>
-          <a:p>
-            <a:r>
-              <a:rPr lang="en-US" dirty="0" smtClean="0">
-                <a:solidFill>
                   <a:schemeClr val="accent2">
                     <a:lumMod val="75000"/>
                   </a:schemeClr>
                 </a:solidFill>
               </a:rPr>
-              <a:t>Trait (</a:t>
+              <a:t>Trait[</a:t>
             </a:r>
             <a:r>
               <a:rPr lang="en-US" dirty="0" err="1" smtClean="0">
@@ -3972,51 +5136,20 @@
               <a:t>i</a:t>
             </a:r>
             <a:r>
-              <a:rPr lang="en-US" dirty="0" smtClean="0">
+              <a:rPr lang="en-US" dirty="0">
                 <a:solidFill>
                   <a:schemeClr val="accent2">
                     <a:lumMod val="75000"/>
                   </a:schemeClr>
                 </a:solidFill>
               </a:rPr>
-              <a:t>)</a:t>
-            </a:r>
-          </a:p>
-        </p:txBody>
-      </p:sp>
-      <p:sp>
-        <p:nvSpPr>
-          <p:cNvPr id="39" name="TextBox 38"/>
-          <p:cNvSpPr txBox="1"/>
-          <p:nvPr/>
-        </p:nvSpPr>
-        <p:spPr>
-          <a:xfrm>
-            <a:off x="458269" y="5288527"/>
-            <a:ext cx="1028038" cy="369332"/>
-          </a:xfrm>
-          <a:prstGeom prst="rect">
-            <a:avLst/>
-          </a:prstGeom>
-          <a:noFill/>
-        </p:spPr>
-        <p:txBody>
-          <a:bodyPr wrap="none" rtlCol="0">
-            <a:spAutoFit/>
-          </a:bodyPr>
-          <a:lstStyle/>
-          <a:p>
-            <a:r>
-              <a:rPr lang="en-US" dirty="0" smtClean="0">
-                <a:solidFill>
-                  <a:srgbClr val="0070C0"/>
-                </a:solidFill>
-              </a:rPr>
-              <a:t>Group (j)</a:t>
-            </a:r>
-            <a:endParaRPr lang="en-US" dirty="0">
+              <a:t>]</a:t>
+            </a:r>
+            <a:endParaRPr lang="en-US" dirty="0" smtClean="0">
               <a:solidFill>
-                <a:srgbClr val="0070C0"/>
+                <a:schemeClr val="accent2">
+                  <a:lumMod val="75000"/>
+                </a:schemeClr>
               </a:solidFill>
             </a:endParaRPr>
           </a:p>
@@ -4030,7 +5163,7 @@
         </p:nvSpPr>
         <p:spPr>
           <a:xfrm>
-            <a:off x="8530724" y="5147000"/>
+            <a:off x="8373592" y="5408266"/>
             <a:ext cx="1550504" cy="1327868"/>
           </a:xfrm>
           <a:prstGeom prst="rect">
@@ -4062,13 +5195,899 @@
       </p:sp>
       <p:cxnSp>
         <p:nvCxnSpPr>
-          <p:cNvPr id="41" name="Straight Arrow Connector 40"/>
+          <p:cNvPr id="42" name="Straight Arrow Connector 41"/>
           <p:cNvCxnSpPr/>
           <p:nvPr/>
         </p:nvCxnSpPr>
         <p:spPr>
           <a:xfrm>
-            <a:off x="8381411" y="4880631"/>
+            <a:off x="8439865" y="5139145"/>
+            <a:ext cx="1484231" cy="8312"/>
+          </a:xfrm>
+          <a:prstGeom prst="straightConnector1">
+            <a:avLst/>
+          </a:prstGeom>
+          <a:ln>
+            <a:tailEnd type="triangle"/>
+          </a:ln>
+        </p:spPr>
+        <p:style>
+          <a:lnRef idx="1">
+            <a:schemeClr val="accent6"/>
+          </a:lnRef>
+          <a:fillRef idx="0">
+            <a:schemeClr val="accent6"/>
+          </a:fillRef>
+          <a:effectRef idx="0">
+            <a:schemeClr val="accent6"/>
+          </a:effectRef>
+          <a:fontRef idx="minor">
+            <a:schemeClr val="tx1"/>
+          </a:fontRef>
+        </p:style>
+      </p:cxnSp>
+      <p:sp>
+        <p:nvSpPr>
+          <p:cNvPr id="44" name="TextBox 43"/>
+          <p:cNvSpPr txBox="1"/>
+          <p:nvPr/>
+        </p:nvSpPr>
+        <p:spPr>
+          <a:xfrm>
+            <a:off x="6262333" y="3766223"/>
+            <a:ext cx="5334530" cy="1015663"/>
+          </a:xfrm>
+          <a:prstGeom prst="rect">
+            <a:avLst/>
+          </a:prstGeom>
+          <a:noFill/>
+        </p:spPr>
+        <p:txBody>
+          <a:bodyPr wrap="square" rtlCol="0">
+            <a:spAutoFit/>
+          </a:bodyPr>
+          <a:lstStyle/>
+          <a:p>
+            <a:r>
+              <a:rPr lang="en-US" sz="1200" dirty="0" err="1" smtClean="0"/>
+              <a:t>Diss</a:t>
+            </a:r>
+            <a:r>
+              <a:rPr lang="en-US" sz="1200" dirty="0" smtClean="0"/>
+              <a:t>[ 10, 10]</a:t>
+            </a:r>
+          </a:p>
+          <a:p>
+            <a:pPr marL="285750" indent="-285750">
+              <a:buFont typeface="Arial" panose="020B0604020202020204" pitchFamily="34" charset="0"/>
+              <a:buChar char="•"/>
+            </a:pPr>
+            <a:r>
+              <a:rPr lang="en-US" sz="1200" dirty="0" smtClean="0"/>
+              <a:t>Summarizes [hl]; </a:t>
+            </a:r>
+            <a:r>
+              <a:rPr lang="en-US" sz="1200" dirty="0" smtClean="0"/>
+              <a:t>each cell in </a:t>
+            </a:r>
+            <a:r>
+              <a:rPr lang="en-US" sz="1200" dirty="0" err="1" smtClean="0"/>
+              <a:t>Diss</a:t>
+            </a:r>
+            <a:r>
+              <a:rPr lang="en-US" sz="1200" dirty="0" smtClean="0"/>
+              <a:t>[,] is the average for cells across the third dimension of hl[,,]</a:t>
+            </a:r>
+          </a:p>
+          <a:p>
+            <a:pPr marL="742950" lvl="1" indent="-285750">
+              <a:buFont typeface="Arial" panose="020B0604020202020204" pitchFamily="34" charset="0"/>
+              <a:buChar char="•"/>
+            </a:pPr>
+            <a:r>
+              <a:rPr lang="en-US" sz="1200" dirty="0" err="1" smtClean="0"/>
+              <a:t>Eg</a:t>
+            </a:r>
+            <a:r>
+              <a:rPr lang="en-US" sz="1200" dirty="0" smtClean="0"/>
+              <a:t>: </a:t>
+            </a:r>
+            <a:r>
+              <a:rPr lang="en-US" sz="1200" dirty="0" err="1" smtClean="0"/>
+              <a:t>Diss</a:t>
+            </a:r>
+            <a:r>
+              <a:rPr lang="en-US" sz="1200" dirty="0" smtClean="0"/>
+              <a:t>[1,2] = (</a:t>
+            </a:r>
+            <a:r>
+              <a:rPr lang="en-US" sz="1200" u="sng" dirty="0" smtClean="0"/>
+              <a:t>hl[1,2,1] + hl[1,2,2] + hl[1,2,3] + hl[1,2,…]</a:t>
+            </a:r>
+            <a:r>
+              <a:rPr lang="en-US" sz="1200" dirty="0" smtClean="0"/>
+              <a:t>)</a:t>
+            </a:r>
+          </a:p>
+          <a:p>
+            <a:pPr lvl="1"/>
+            <a:r>
+              <a:rPr lang="en-US" sz="1200" dirty="0"/>
+              <a:t>	</a:t>
+            </a:r>
+            <a:r>
+              <a:rPr lang="en-US" sz="1200" dirty="0" smtClean="0"/>
+              <a:t>		10 (number of traits) </a:t>
+            </a:r>
+            <a:endParaRPr lang="en-US" sz="1200" dirty="0"/>
+          </a:p>
+        </p:txBody>
+      </p:sp>
+      <p:sp>
+        <p:nvSpPr>
+          <p:cNvPr id="46" name="TextBox 45"/>
+          <p:cNvSpPr txBox="1"/>
+          <p:nvPr/>
+        </p:nvSpPr>
+        <p:spPr>
+          <a:xfrm>
+            <a:off x="8398841" y="5535309"/>
+            <a:ext cx="1312411" cy="276999"/>
+          </a:xfrm>
+          <a:prstGeom prst="rect">
+            <a:avLst/>
+          </a:prstGeom>
+          <a:noFill/>
+        </p:spPr>
+        <p:txBody>
+          <a:bodyPr wrap="none" rtlCol="0">
+            <a:spAutoFit/>
+          </a:bodyPr>
+          <a:lstStyle/>
+          <a:p>
+            <a:r>
+              <a:rPr lang="en-US" sz="1200" dirty="0" smtClean="0"/>
+              <a:t>Abs(mean(hl[</a:t>
+            </a:r>
+            <a:r>
+              <a:rPr lang="en-US" sz="1200" dirty="0" err="1" smtClean="0"/>
+              <a:t>j,i</a:t>
+            </a:r>
+            <a:r>
+              <a:rPr lang="en-US" sz="1200" dirty="0" smtClean="0"/>
+              <a:t>,]))</a:t>
+            </a:r>
+            <a:endParaRPr lang="en-US" sz="1200" dirty="0"/>
+          </a:p>
+        </p:txBody>
+      </p:sp>
+      <p:sp>
+        <p:nvSpPr>
+          <p:cNvPr id="50" name="TextBox 49"/>
+          <p:cNvSpPr txBox="1"/>
+          <p:nvPr/>
+        </p:nvSpPr>
+        <p:spPr>
+          <a:xfrm>
+            <a:off x="1846694" y="4586317"/>
+            <a:ext cx="914033" cy="861774"/>
+          </a:xfrm>
+          <a:prstGeom prst="rect">
+            <a:avLst/>
+          </a:prstGeom>
+          <a:noFill/>
+        </p:spPr>
+        <p:txBody>
+          <a:bodyPr wrap="none" rtlCol="0">
+            <a:spAutoFit/>
+          </a:bodyPr>
+          <a:lstStyle/>
+          <a:p>
+            <a:r>
+              <a:rPr lang="en-US" sz="1000" dirty="0" smtClean="0"/>
+              <a:t>0</a:t>
+            </a:r>
+          </a:p>
+          <a:p>
+            <a:r>
+              <a:rPr lang="en-US" sz="1000" dirty="0"/>
+              <a:t> </a:t>
+            </a:r>
+            <a:r>
+              <a:rPr lang="en-US" sz="1000" dirty="0" smtClean="0"/>
+              <a:t>    0</a:t>
+            </a:r>
+          </a:p>
+          <a:p>
+            <a:r>
+              <a:rPr lang="en-US" sz="1000" dirty="0"/>
+              <a:t> </a:t>
+            </a:r>
+            <a:r>
+              <a:rPr lang="en-US" sz="1000" dirty="0" smtClean="0"/>
+              <a:t>          0</a:t>
+            </a:r>
+          </a:p>
+          <a:p>
+            <a:r>
+              <a:rPr lang="en-US" sz="1000" dirty="0"/>
+              <a:t> </a:t>
+            </a:r>
+            <a:r>
+              <a:rPr lang="en-US" sz="1000" dirty="0" smtClean="0"/>
+              <a:t>                0</a:t>
+            </a:r>
+          </a:p>
+          <a:p>
+            <a:r>
+              <a:rPr lang="en-US" sz="1000" dirty="0"/>
+              <a:t> </a:t>
+            </a:r>
+            <a:r>
+              <a:rPr lang="en-US" sz="1000" dirty="0" smtClean="0"/>
+              <a:t>                      0</a:t>
+            </a:r>
+          </a:p>
+        </p:txBody>
+      </p:sp>
+      <p:sp>
+        <p:nvSpPr>
+          <p:cNvPr id="51" name="TextBox 50"/>
+          <p:cNvSpPr txBox="1"/>
+          <p:nvPr/>
+        </p:nvSpPr>
+        <p:spPr>
+          <a:xfrm>
+            <a:off x="8359283" y="1918325"/>
+            <a:ext cx="381836" cy="1323439"/>
+          </a:xfrm>
+          <a:prstGeom prst="rect">
+            <a:avLst/>
+          </a:prstGeom>
+          <a:noFill/>
+        </p:spPr>
+        <p:txBody>
+          <a:bodyPr wrap="none" rtlCol="0">
+            <a:spAutoFit/>
+          </a:bodyPr>
+          <a:lstStyle/>
+          <a:p>
+            <a:r>
+              <a:rPr lang="en-US" sz="1000" dirty="0" smtClean="0">
+                <a:solidFill>
+                  <a:schemeClr val="accent5">
+                    <a:lumMod val="75000"/>
+                  </a:schemeClr>
+                </a:solidFill>
+              </a:rPr>
+              <a:t>1</a:t>
+            </a:r>
+          </a:p>
+          <a:p>
+            <a:r>
+              <a:rPr lang="en-US" sz="1000" dirty="0" smtClean="0">
+                <a:solidFill>
+                  <a:schemeClr val="accent5">
+                    <a:lumMod val="75000"/>
+                  </a:schemeClr>
+                </a:solidFill>
+              </a:rPr>
+              <a:t>2</a:t>
+            </a:r>
+          </a:p>
+          <a:p>
+            <a:r>
+              <a:rPr lang="en-US" sz="1000" dirty="0" smtClean="0">
+                <a:solidFill>
+                  <a:schemeClr val="accent5">
+                    <a:lumMod val="75000"/>
+                  </a:schemeClr>
+                </a:solidFill>
+              </a:rPr>
+              <a:t>3</a:t>
+            </a:r>
+          </a:p>
+          <a:p>
+            <a:r>
+              <a:rPr lang="en-US" sz="1000" dirty="0" smtClean="0">
+                <a:solidFill>
+                  <a:schemeClr val="accent5">
+                    <a:lumMod val="75000"/>
+                  </a:schemeClr>
+                </a:solidFill>
+              </a:rPr>
+              <a:t>…</a:t>
+            </a:r>
+          </a:p>
+          <a:p>
+            <a:r>
+              <a:rPr lang="en-US" sz="1000" dirty="0" smtClean="0">
+                <a:solidFill>
+                  <a:schemeClr val="accent5">
+                    <a:lumMod val="75000"/>
+                  </a:schemeClr>
+                </a:solidFill>
+              </a:rPr>
+              <a:t>…</a:t>
+            </a:r>
+          </a:p>
+          <a:p>
+            <a:r>
+              <a:rPr lang="en-US" sz="1000" dirty="0" smtClean="0">
+                <a:solidFill>
+                  <a:schemeClr val="accent5">
+                    <a:lumMod val="75000"/>
+                  </a:schemeClr>
+                </a:solidFill>
+              </a:rPr>
+              <a:t>…</a:t>
+            </a:r>
+          </a:p>
+          <a:p>
+            <a:endParaRPr lang="en-US" sz="1000" dirty="0">
+              <a:solidFill>
+                <a:schemeClr val="accent5">
+                  <a:lumMod val="75000"/>
+                </a:schemeClr>
+              </a:solidFill>
+            </a:endParaRPr>
+          </a:p>
+          <a:p>
+            <a:r>
+              <a:rPr lang="en-US" sz="1000" dirty="0" smtClean="0">
+                <a:solidFill>
+                  <a:schemeClr val="accent5">
+                    <a:lumMod val="75000"/>
+                  </a:schemeClr>
+                </a:solidFill>
+              </a:rPr>
+              <a:t>202</a:t>
+            </a:r>
+          </a:p>
+        </p:txBody>
+      </p:sp>
+      <p:sp>
+        <p:nvSpPr>
+          <p:cNvPr id="52" name="TextBox 51"/>
+          <p:cNvSpPr txBox="1"/>
+          <p:nvPr/>
+        </p:nvSpPr>
+        <p:spPr>
+          <a:xfrm>
+            <a:off x="8507917" y="5174970"/>
+            <a:ext cx="1441420" cy="246221"/>
+          </a:xfrm>
+          <a:prstGeom prst="rect">
+            <a:avLst/>
+          </a:prstGeom>
+          <a:noFill/>
+        </p:spPr>
+        <p:txBody>
+          <a:bodyPr wrap="none" rtlCol="0">
+            <a:spAutoFit/>
+          </a:bodyPr>
+          <a:lstStyle/>
+          <a:p>
+            <a:r>
+              <a:rPr lang="en-US" sz="1000" dirty="0" smtClean="0">
+                <a:solidFill>
+                  <a:schemeClr val="accent6">
+                    <a:lumMod val="75000"/>
+                  </a:schemeClr>
+                </a:solidFill>
+              </a:rPr>
+              <a:t>1      2     3   …    …   …  10</a:t>
+            </a:r>
+          </a:p>
+        </p:txBody>
+      </p:sp>
+      <p:sp>
+        <p:nvSpPr>
+          <p:cNvPr id="53" name="TextBox 52"/>
+          <p:cNvSpPr txBox="1"/>
+          <p:nvPr/>
+        </p:nvSpPr>
+        <p:spPr>
+          <a:xfrm>
+            <a:off x="7976149" y="5415084"/>
+            <a:ext cx="316112" cy="1323439"/>
+          </a:xfrm>
+          <a:prstGeom prst="rect">
+            <a:avLst/>
+          </a:prstGeom>
+          <a:noFill/>
+        </p:spPr>
+        <p:txBody>
+          <a:bodyPr wrap="none" rtlCol="0">
+            <a:spAutoFit/>
+          </a:bodyPr>
+          <a:lstStyle/>
+          <a:p>
+            <a:r>
+              <a:rPr lang="en-US" sz="1000" dirty="0" smtClean="0">
+                <a:solidFill>
+                  <a:schemeClr val="accent6">
+                    <a:lumMod val="75000"/>
+                  </a:schemeClr>
+                </a:solidFill>
+              </a:rPr>
+              <a:t>1</a:t>
+            </a:r>
+          </a:p>
+          <a:p>
+            <a:r>
+              <a:rPr lang="en-US" sz="1000" dirty="0" smtClean="0">
+                <a:solidFill>
+                  <a:schemeClr val="accent6">
+                    <a:lumMod val="75000"/>
+                  </a:schemeClr>
+                </a:solidFill>
+              </a:rPr>
+              <a:t>2</a:t>
+            </a:r>
+          </a:p>
+          <a:p>
+            <a:r>
+              <a:rPr lang="en-US" sz="1000" dirty="0" smtClean="0">
+                <a:solidFill>
+                  <a:schemeClr val="accent6">
+                    <a:lumMod val="75000"/>
+                  </a:schemeClr>
+                </a:solidFill>
+              </a:rPr>
+              <a:t>3</a:t>
+            </a:r>
+          </a:p>
+          <a:p>
+            <a:r>
+              <a:rPr lang="en-US" sz="1000" dirty="0" smtClean="0">
+                <a:solidFill>
+                  <a:schemeClr val="accent6">
+                    <a:lumMod val="75000"/>
+                  </a:schemeClr>
+                </a:solidFill>
+              </a:rPr>
+              <a:t>…</a:t>
+            </a:r>
+          </a:p>
+          <a:p>
+            <a:r>
+              <a:rPr lang="en-US" sz="1000" dirty="0" smtClean="0">
+                <a:solidFill>
+                  <a:schemeClr val="accent6">
+                    <a:lumMod val="75000"/>
+                  </a:schemeClr>
+                </a:solidFill>
+              </a:rPr>
+              <a:t>…</a:t>
+            </a:r>
+          </a:p>
+          <a:p>
+            <a:r>
+              <a:rPr lang="en-US" sz="1000" dirty="0" smtClean="0">
+                <a:solidFill>
+                  <a:schemeClr val="accent6">
+                    <a:lumMod val="75000"/>
+                  </a:schemeClr>
+                </a:solidFill>
+              </a:rPr>
+              <a:t>…</a:t>
+            </a:r>
+          </a:p>
+          <a:p>
+            <a:endParaRPr lang="en-US" sz="1000" dirty="0">
+              <a:solidFill>
+                <a:schemeClr val="accent6">
+                  <a:lumMod val="75000"/>
+                </a:schemeClr>
+              </a:solidFill>
+            </a:endParaRPr>
+          </a:p>
+          <a:p>
+            <a:r>
+              <a:rPr lang="en-US" sz="1000" dirty="0" smtClean="0">
+                <a:solidFill>
+                  <a:schemeClr val="accent6">
+                    <a:lumMod val="75000"/>
+                  </a:schemeClr>
+                </a:solidFill>
+              </a:rPr>
+              <a:t>10</a:t>
+            </a:r>
+          </a:p>
+        </p:txBody>
+      </p:sp>
+      <p:sp>
+        <p:nvSpPr>
+          <p:cNvPr id="54" name="TextBox 53"/>
+          <p:cNvSpPr txBox="1"/>
+          <p:nvPr/>
+        </p:nvSpPr>
+        <p:spPr>
+          <a:xfrm>
+            <a:off x="8769616" y="1728227"/>
+            <a:ext cx="1507144" cy="246221"/>
+          </a:xfrm>
+          <a:prstGeom prst="rect">
+            <a:avLst/>
+          </a:prstGeom>
+          <a:noFill/>
+        </p:spPr>
+        <p:txBody>
+          <a:bodyPr wrap="none" rtlCol="0">
+            <a:spAutoFit/>
+          </a:bodyPr>
+          <a:lstStyle/>
+          <a:p>
+            <a:r>
+              <a:rPr lang="en-US" sz="1000" dirty="0" smtClean="0">
+                <a:solidFill>
+                  <a:schemeClr val="accent5">
+                    <a:lumMod val="75000"/>
+                  </a:schemeClr>
+                </a:solidFill>
+              </a:rPr>
+              <a:t>1  </a:t>
+            </a:r>
+            <a:r>
+              <a:rPr lang="en-US" sz="1000" dirty="0" smtClean="0">
+                <a:solidFill>
+                  <a:schemeClr val="accent5">
+                    <a:lumMod val="75000"/>
+                  </a:schemeClr>
+                </a:solidFill>
+              </a:rPr>
+              <a:t>    </a:t>
+            </a:r>
+            <a:r>
+              <a:rPr lang="en-US" sz="1000" dirty="0" smtClean="0">
+                <a:solidFill>
+                  <a:schemeClr val="accent5">
+                    <a:lumMod val="75000"/>
+                  </a:schemeClr>
+                </a:solidFill>
+              </a:rPr>
+              <a:t>2     3   …    …   …  202</a:t>
+            </a:r>
+          </a:p>
+        </p:txBody>
+      </p:sp>
+      <p:sp>
+        <p:nvSpPr>
+          <p:cNvPr id="57" name="TextBox 56"/>
+          <p:cNvSpPr txBox="1"/>
+          <p:nvPr/>
+        </p:nvSpPr>
+        <p:spPr>
+          <a:xfrm>
+            <a:off x="4434440" y="6474868"/>
+            <a:ext cx="1954381" cy="246221"/>
+          </a:xfrm>
+          <a:prstGeom prst="rect">
+            <a:avLst/>
+          </a:prstGeom>
+          <a:noFill/>
+        </p:spPr>
+        <p:txBody>
+          <a:bodyPr wrap="none" rtlCol="0">
+            <a:spAutoFit/>
+          </a:bodyPr>
+          <a:lstStyle/>
+          <a:p>
+            <a:r>
+              <a:rPr lang="en-US" sz="1000" dirty="0" smtClean="0">
+                <a:latin typeface="Courier New" panose="02070309020205020404" pitchFamily="49" charset="0"/>
+                <a:cs typeface="Courier New" panose="02070309020205020404" pitchFamily="49" charset="0"/>
+              </a:rPr>
+              <a:t>for (</a:t>
+            </a:r>
+            <a:r>
+              <a:rPr lang="en-US" sz="1000" dirty="0" err="1" smtClean="0">
+                <a:latin typeface="Courier New" panose="02070309020205020404" pitchFamily="49" charset="0"/>
+                <a:cs typeface="Courier New" panose="02070309020205020404" pitchFamily="49" charset="0"/>
+              </a:rPr>
+              <a:t>i</a:t>
+            </a:r>
+            <a:r>
+              <a:rPr lang="en-US" sz="1000" dirty="0" smtClean="0">
+                <a:latin typeface="Courier New" panose="02070309020205020404" pitchFamily="49" charset="0"/>
+                <a:cs typeface="Courier New" panose="02070309020205020404" pitchFamily="49" charset="0"/>
+              </a:rPr>
+              <a:t> in 1:ncol(</a:t>
+            </a:r>
+            <a:r>
+              <a:rPr lang="en-US" sz="1000" dirty="0" err="1" smtClean="0">
+                <a:latin typeface="Courier New" panose="02070309020205020404" pitchFamily="49" charset="0"/>
+                <a:cs typeface="Courier New" panose="02070309020205020404" pitchFamily="49" charset="0"/>
+              </a:rPr>
+              <a:t>dat</a:t>
+            </a:r>
+            <a:r>
+              <a:rPr lang="en-US" sz="1000" dirty="0" smtClean="0">
+                <a:latin typeface="Courier New" panose="02070309020205020404" pitchFamily="49" charset="0"/>
+                <a:cs typeface="Courier New" panose="02070309020205020404" pitchFamily="49" charset="0"/>
+              </a:rPr>
+              <a:t>)){</a:t>
+            </a:r>
+            <a:endParaRPr lang="en-US" sz="1000" dirty="0">
+              <a:latin typeface="Courier New" panose="02070309020205020404" pitchFamily="49" charset="0"/>
+              <a:cs typeface="Courier New" panose="02070309020205020404" pitchFamily="49" charset="0"/>
+            </a:endParaRPr>
+          </a:p>
+        </p:txBody>
+      </p:sp>
+      <p:sp>
+        <p:nvSpPr>
+          <p:cNvPr id="58" name="TextBox 57"/>
+          <p:cNvSpPr txBox="1"/>
+          <p:nvPr/>
+        </p:nvSpPr>
+        <p:spPr>
+          <a:xfrm>
+            <a:off x="94818" y="6301927"/>
+            <a:ext cx="2168337" cy="400110"/>
+          </a:xfrm>
+          <a:prstGeom prst="rect">
+            <a:avLst/>
+          </a:prstGeom>
+          <a:noFill/>
+        </p:spPr>
+        <p:txBody>
+          <a:bodyPr wrap="square" rtlCol="0">
+            <a:spAutoFit/>
+          </a:bodyPr>
+          <a:lstStyle/>
+          <a:p>
+            <a:r>
+              <a:rPr lang="en-US" sz="1000" dirty="0" smtClean="0">
+                <a:latin typeface="Courier New" panose="02070309020205020404" pitchFamily="49" charset="0"/>
+                <a:cs typeface="Courier New" panose="02070309020205020404" pitchFamily="49" charset="0"/>
+              </a:rPr>
+              <a:t>for (j in 1:length(levels(grp))){</a:t>
+            </a:r>
+            <a:endParaRPr lang="en-US" sz="1000" dirty="0">
+              <a:latin typeface="Courier New" panose="02070309020205020404" pitchFamily="49" charset="0"/>
+              <a:cs typeface="Courier New" panose="02070309020205020404" pitchFamily="49" charset="0"/>
+            </a:endParaRPr>
+          </a:p>
+        </p:txBody>
+      </p:sp>
+      <p:sp>
+        <p:nvSpPr>
+          <p:cNvPr id="60" name="TextBox 59"/>
+          <p:cNvSpPr txBox="1"/>
+          <p:nvPr/>
+        </p:nvSpPr>
+        <p:spPr>
+          <a:xfrm>
+            <a:off x="3658345" y="4018666"/>
+            <a:ext cx="2168337" cy="400110"/>
+          </a:xfrm>
+          <a:prstGeom prst="rect">
+            <a:avLst/>
+          </a:prstGeom>
+          <a:noFill/>
+        </p:spPr>
+        <p:txBody>
+          <a:bodyPr wrap="square" rtlCol="0">
+            <a:spAutoFit/>
+          </a:bodyPr>
+          <a:lstStyle/>
+          <a:p>
+            <a:r>
+              <a:rPr lang="en-US" sz="1000" dirty="0" smtClean="0">
+                <a:latin typeface="Courier New" panose="02070309020205020404" pitchFamily="49" charset="0"/>
+                <a:cs typeface="Courier New" panose="02070309020205020404" pitchFamily="49" charset="0"/>
+              </a:rPr>
+              <a:t>for (k in 1:length(levels(grp))){</a:t>
+            </a:r>
+            <a:endParaRPr lang="en-US" sz="1000" dirty="0">
+              <a:latin typeface="Courier New" panose="02070309020205020404" pitchFamily="49" charset="0"/>
+              <a:cs typeface="Courier New" panose="02070309020205020404" pitchFamily="49" charset="0"/>
+            </a:endParaRPr>
+          </a:p>
+        </p:txBody>
+      </p:sp>
+      <p:sp>
+        <p:nvSpPr>
+          <p:cNvPr id="61" name="TextBox 60"/>
+          <p:cNvSpPr txBox="1"/>
+          <p:nvPr/>
+        </p:nvSpPr>
+        <p:spPr>
+          <a:xfrm>
+            <a:off x="10359194" y="1334022"/>
+            <a:ext cx="1832806" cy="246221"/>
+          </a:xfrm>
+          <a:prstGeom prst="rect">
+            <a:avLst/>
+          </a:prstGeom>
+          <a:noFill/>
+        </p:spPr>
+        <p:txBody>
+          <a:bodyPr wrap="square" rtlCol="0">
+            <a:spAutoFit/>
+          </a:bodyPr>
+          <a:lstStyle/>
+          <a:p>
+            <a:r>
+              <a:rPr lang="en-US" sz="1000" dirty="0" smtClean="0">
+                <a:latin typeface="Courier New" panose="02070309020205020404" pitchFamily="49" charset="0"/>
+                <a:cs typeface="Courier New" panose="02070309020205020404" pitchFamily="49" charset="0"/>
+              </a:rPr>
+              <a:t>for (l in 1:maxN){ </a:t>
+            </a:r>
+            <a:endParaRPr lang="en-US" sz="1000" dirty="0">
+              <a:latin typeface="Courier New" panose="02070309020205020404" pitchFamily="49" charset="0"/>
+              <a:cs typeface="Courier New" panose="02070309020205020404" pitchFamily="49" charset="0"/>
+            </a:endParaRPr>
+          </a:p>
+        </p:txBody>
+      </p:sp>
+      <p:sp>
+        <p:nvSpPr>
+          <p:cNvPr id="62" name="TextBox 61"/>
+          <p:cNvSpPr txBox="1"/>
+          <p:nvPr/>
+        </p:nvSpPr>
+        <p:spPr>
+          <a:xfrm>
+            <a:off x="6236144" y="2787411"/>
+            <a:ext cx="2168337" cy="246221"/>
+          </a:xfrm>
+          <a:prstGeom prst="rect">
+            <a:avLst/>
+          </a:prstGeom>
+          <a:noFill/>
+        </p:spPr>
+        <p:txBody>
+          <a:bodyPr wrap="square" rtlCol="0">
+            <a:spAutoFit/>
+          </a:bodyPr>
+          <a:lstStyle/>
+          <a:p>
+            <a:r>
+              <a:rPr lang="en-US" sz="1000" dirty="0" smtClean="0">
+                <a:latin typeface="Courier New" panose="02070309020205020404" pitchFamily="49" charset="0"/>
+                <a:cs typeface="Courier New" panose="02070309020205020404" pitchFamily="49" charset="0"/>
+              </a:rPr>
+              <a:t>for (n in 1:maxN){ </a:t>
+            </a:r>
+            <a:endParaRPr lang="en-US" sz="1000" dirty="0">
+              <a:latin typeface="Courier New" panose="02070309020205020404" pitchFamily="49" charset="0"/>
+              <a:cs typeface="Courier New" panose="02070309020205020404" pitchFamily="49" charset="0"/>
+            </a:endParaRPr>
+          </a:p>
+        </p:txBody>
+      </p:sp>
+      <p:sp>
+        <p:nvSpPr>
+          <p:cNvPr id="63" name="TextBox 62"/>
+          <p:cNvSpPr txBox="1"/>
+          <p:nvPr/>
+        </p:nvSpPr>
+        <p:spPr>
+          <a:xfrm>
+            <a:off x="5882380" y="4995415"/>
+            <a:ext cx="2168337" cy="400110"/>
+          </a:xfrm>
+          <a:prstGeom prst="rect">
+            <a:avLst/>
+          </a:prstGeom>
+          <a:noFill/>
+        </p:spPr>
+        <p:txBody>
+          <a:bodyPr wrap="square" rtlCol="0">
+            <a:spAutoFit/>
+          </a:bodyPr>
+          <a:lstStyle/>
+          <a:p>
+            <a:r>
+              <a:rPr lang="en-US" sz="1000" dirty="0" smtClean="0">
+                <a:latin typeface="Courier New" panose="02070309020205020404" pitchFamily="49" charset="0"/>
+                <a:cs typeface="Courier New" panose="02070309020205020404" pitchFamily="49" charset="0"/>
+              </a:rPr>
+              <a:t>for (k in 1:length(levels(grp))){ </a:t>
+            </a:r>
+            <a:endParaRPr lang="en-US" sz="1000" dirty="0">
+              <a:latin typeface="Courier New" panose="02070309020205020404" pitchFamily="49" charset="0"/>
+              <a:cs typeface="Courier New" panose="02070309020205020404" pitchFamily="49" charset="0"/>
+            </a:endParaRPr>
+          </a:p>
+        </p:txBody>
+      </p:sp>
+      <p:sp>
+        <p:nvSpPr>
+          <p:cNvPr id="64" name="TextBox 63"/>
+          <p:cNvSpPr txBox="1"/>
+          <p:nvPr/>
+        </p:nvSpPr>
+        <p:spPr>
+          <a:xfrm>
+            <a:off x="8718496" y="2822927"/>
+            <a:ext cx="1043876" cy="400110"/>
+          </a:xfrm>
+          <a:prstGeom prst="rect">
+            <a:avLst/>
+          </a:prstGeom>
+          <a:noFill/>
+        </p:spPr>
+        <p:txBody>
+          <a:bodyPr wrap="none" rtlCol="0">
+            <a:spAutoFit/>
+          </a:bodyPr>
+          <a:lstStyle/>
+          <a:p>
+            <a:r>
+              <a:rPr lang="en-US" sz="1000" dirty="0" smtClean="0"/>
+              <a:t>NA  </a:t>
+            </a:r>
+            <a:r>
+              <a:rPr lang="en-US" sz="1000" dirty="0" err="1" smtClean="0"/>
+              <a:t>NA</a:t>
+            </a:r>
+            <a:r>
+              <a:rPr lang="en-US" sz="1000" dirty="0" smtClean="0"/>
+              <a:t>  </a:t>
+            </a:r>
+            <a:r>
+              <a:rPr lang="en-US" sz="1000" dirty="0" err="1" smtClean="0"/>
+              <a:t>NA</a:t>
+            </a:r>
+            <a:r>
+              <a:rPr lang="en-US" sz="1000" dirty="0" smtClean="0"/>
+              <a:t>  </a:t>
+            </a:r>
+            <a:r>
+              <a:rPr lang="en-US" sz="1000" dirty="0" err="1" smtClean="0"/>
+              <a:t>NA</a:t>
+            </a:r>
+            <a:r>
+              <a:rPr lang="en-US" sz="1000" dirty="0" smtClean="0"/>
+              <a:t> </a:t>
+            </a:r>
+          </a:p>
+          <a:p>
+            <a:r>
+              <a:rPr lang="en-US" sz="1000" dirty="0" smtClean="0"/>
+              <a:t>NA  </a:t>
+            </a:r>
+            <a:r>
+              <a:rPr lang="en-US" sz="1000" dirty="0" err="1" smtClean="0"/>
+              <a:t>NA</a:t>
+            </a:r>
+            <a:r>
+              <a:rPr lang="en-US" sz="1000" dirty="0" smtClean="0"/>
+              <a:t>  </a:t>
+            </a:r>
+            <a:r>
+              <a:rPr lang="en-US" sz="1000" dirty="0" err="1" smtClean="0"/>
+              <a:t>NA</a:t>
+            </a:r>
+            <a:r>
+              <a:rPr lang="en-US" sz="1000" dirty="0" smtClean="0"/>
+              <a:t>  </a:t>
+            </a:r>
+            <a:r>
+              <a:rPr lang="en-US" sz="1000" dirty="0" err="1" smtClean="0"/>
+              <a:t>NA</a:t>
+            </a:r>
+            <a:r>
+              <a:rPr lang="en-US" sz="1000" dirty="0" smtClean="0"/>
+              <a:t> </a:t>
+            </a:r>
+          </a:p>
+        </p:txBody>
+      </p:sp>
+      <p:cxnSp>
+        <p:nvCxnSpPr>
+          <p:cNvPr id="55" name="Straight Arrow Connector 54"/>
+          <p:cNvCxnSpPr/>
+          <p:nvPr/>
+        </p:nvCxnSpPr>
+        <p:spPr>
+          <a:xfrm>
+            <a:off x="1869562" y="1035944"/>
             <a:ext cx="0" cy="1708206"/>
           </a:xfrm>
           <a:prstGeom prst="straightConnector1">
@@ -4095,14 +6114,960 @@
       </p:cxnSp>
       <p:cxnSp>
         <p:nvCxnSpPr>
-          <p:cNvPr id="42" name="Straight Arrow Connector 41"/>
+          <p:cNvPr id="56" name="Straight Arrow Connector 55"/>
           <p:cNvCxnSpPr/>
           <p:nvPr/>
         </p:nvCxnSpPr>
         <p:spPr>
           <a:xfrm>
-            <a:off x="8596997" y="4877879"/>
-            <a:ext cx="1484231" cy="8312"/>
+            <a:off x="2208552" y="1029505"/>
+            <a:ext cx="1952045" cy="0"/>
+          </a:xfrm>
+          <a:prstGeom prst="straightConnector1">
+            <a:avLst/>
+          </a:prstGeom>
+          <a:ln>
+            <a:tailEnd type="triangle"/>
+          </a:ln>
+        </p:spPr>
+        <p:style>
+          <a:lnRef idx="3">
+            <a:schemeClr val="accent6"/>
+          </a:lnRef>
+          <a:fillRef idx="0">
+            <a:schemeClr val="accent6"/>
+          </a:fillRef>
+          <a:effectRef idx="2">
+            <a:schemeClr val="accent6"/>
+          </a:effectRef>
+          <a:fontRef idx="minor">
+            <a:schemeClr val="tx1"/>
+          </a:fontRef>
+        </p:style>
+      </p:cxnSp>
+      <p:sp>
+        <p:nvSpPr>
+          <p:cNvPr id="59" name="TextBox 58"/>
+          <p:cNvSpPr txBox="1"/>
+          <p:nvPr/>
+        </p:nvSpPr>
+        <p:spPr>
+          <a:xfrm>
+            <a:off x="2477181" y="706619"/>
+            <a:ext cx="772456" cy="369332"/>
+          </a:xfrm>
+          <a:prstGeom prst="rect">
+            <a:avLst/>
+          </a:prstGeom>
+          <a:noFill/>
+        </p:spPr>
+        <p:txBody>
+          <a:bodyPr wrap="none" rtlCol="0">
+            <a:spAutoFit/>
+          </a:bodyPr>
+          <a:lstStyle/>
+          <a:p>
+            <a:r>
+              <a:rPr lang="en-US" dirty="0" smtClean="0">
+                <a:solidFill>
+                  <a:schemeClr val="accent6">
+                    <a:lumMod val="75000"/>
+                  </a:schemeClr>
+                </a:solidFill>
+              </a:rPr>
+              <a:t>Group</a:t>
+            </a:r>
+            <a:endParaRPr lang="en-US" dirty="0">
+              <a:solidFill>
+                <a:schemeClr val="accent6">
+                  <a:lumMod val="75000"/>
+                </a:schemeClr>
+              </a:solidFill>
+            </a:endParaRPr>
+          </a:p>
+        </p:txBody>
+      </p:sp>
+      <p:sp>
+        <p:nvSpPr>
+          <p:cNvPr id="65" name="TextBox 64"/>
+          <p:cNvSpPr txBox="1"/>
+          <p:nvPr/>
+        </p:nvSpPr>
+        <p:spPr>
+          <a:xfrm>
+            <a:off x="4265424" y="2925137"/>
+            <a:ext cx="598434" cy="369332"/>
+          </a:xfrm>
+          <a:prstGeom prst="rect">
+            <a:avLst/>
+          </a:prstGeom>
+          <a:noFill/>
+        </p:spPr>
+        <p:txBody>
+          <a:bodyPr wrap="none" rtlCol="0">
+            <a:spAutoFit/>
+          </a:bodyPr>
+          <a:lstStyle/>
+          <a:p>
+            <a:r>
+              <a:rPr lang="en-US" dirty="0" smtClean="0">
+                <a:solidFill>
+                  <a:schemeClr val="accent2">
+                    <a:lumMod val="75000"/>
+                  </a:schemeClr>
+                </a:solidFill>
+              </a:rPr>
+              <a:t>Trait</a:t>
+            </a:r>
+          </a:p>
+        </p:txBody>
+      </p:sp>
+      <p:sp>
+        <p:nvSpPr>
+          <p:cNvPr id="66" name="TextBox 65"/>
+          <p:cNvSpPr txBox="1"/>
+          <p:nvPr/>
+        </p:nvSpPr>
+        <p:spPr>
+          <a:xfrm>
+            <a:off x="754870" y="1562314"/>
+            <a:ext cx="1103187" cy="369332"/>
+          </a:xfrm>
+          <a:prstGeom prst="rect">
+            <a:avLst/>
+          </a:prstGeom>
+          <a:noFill/>
+        </p:spPr>
+        <p:txBody>
+          <a:bodyPr wrap="none" rtlCol="0">
+            <a:spAutoFit/>
+          </a:bodyPr>
+          <a:lstStyle/>
+          <a:p>
+            <a:r>
+              <a:rPr lang="en-US" dirty="0" smtClean="0">
+                <a:solidFill>
+                  <a:srgbClr val="0070C0"/>
+                </a:solidFill>
+              </a:rPr>
+              <a:t>Individual</a:t>
+            </a:r>
+            <a:endParaRPr lang="en-US" dirty="0">
+              <a:solidFill>
+                <a:srgbClr val="0070C0"/>
+              </a:solidFill>
+            </a:endParaRPr>
+          </a:p>
+        </p:txBody>
+      </p:sp>
+      <p:sp>
+        <p:nvSpPr>
+          <p:cNvPr id="67" name="TextBox 66"/>
+          <p:cNvSpPr txBox="1"/>
+          <p:nvPr/>
+        </p:nvSpPr>
+        <p:spPr>
+          <a:xfrm>
+            <a:off x="1877907" y="1185854"/>
+            <a:ext cx="381836" cy="1323439"/>
+          </a:xfrm>
+          <a:prstGeom prst="rect">
+            <a:avLst/>
+          </a:prstGeom>
+          <a:noFill/>
+        </p:spPr>
+        <p:txBody>
+          <a:bodyPr wrap="none" rtlCol="0">
+            <a:spAutoFit/>
+          </a:bodyPr>
+          <a:lstStyle/>
+          <a:p>
+            <a:r>
+              <a:rPr lang="en-US" sz="1000" dirty="0" smtClean="0">
+                <a:solidFill>
+                  <a:srgbClr val="0070C0"/>
+                </a:solidFill>
+              </a:rPr>
+              <a:t>1</a:t>
+            </a:r>
+          </a:p>
+          <a:p>
+            <a:r>
+              <a:rPr lang="en-US" sz="1000" dirty="0" smtClean="0">
+                <a:solidFill>
+                  <a:srgbClr val="0070C0"/>
+                </a:solidFill>
+              </a:rPr>
+              <a:t>2</a:t>
+            </a:r>
+          </a:p>
+          <a:p>
+            <a:r>
+              <a:rPr lang="en-US" sz="1000" dirty="0" smtClean="0">
+                <a:solidFill>
+                  <a:srgbClr val="0070C0"/>
+                </a:solidFill>
+              </a:rPr>
+              <a:t>3</a:t>
+            </a:r>
+          </a:p>
+          <a:p>
+            <a:r>
+              <a:rPr lang="en-US" sz="1000" dirty="0" smtClean="0">
+                <a:solidFill>
+                  <a:srgbClr val="0070C0"/>
+                </a:solidFill>
+              </a:rPr>
+              <a:t>…</a:t>
+            </a:r>
+          </a:p>
+          <a:p>
+            <a:r>
+              <a:rPr lang="en-US" sz="1000" dirty="0" smtClean="0">
+                <a:solidFill>
+                  <a:srgbClr val="0070C0"/>
+                </a:solidFill>
+              </a:rPr>
+              <a:t>…</a:t>
+            </a:r>
+          </a:p>
+          <a:p>
+            <a:r>
+              <a:rPr lang="en-US" sz="1000" dirty="0" smtClean="0">
+                <a:solidFill>
+                  <a:srgbClr val="0070C0"/>
+                </a:solidFill>
+              </a:rPr>
+              <a:t>…</a:t>
+            </a:r>
+          </a:p>
+          <a:p>
+            <a:endParaRPr lang="en-US" sz="1000" dirty="0">
+              <a:solidFill>
+                <a:srgbClr val="0070C0"/>
+              </a:solidFill>
+            </a:endParaRPr>
+          </a:p>
+          <a:p>
+            <a:r>
+              <a:rPr lang="en-US" sz="1000" dirty="0" smtClean="0">
+                <a:solidFill>
+                  <a:srgbClr val="0070C0"/>
+                </a:solidFill>
+              </a:rPr>
+              <a:t>202</a:t>
+            </a:r>
+          </a:p>
+        </p:txBody>
+      </p:sp>
+      <p:sp>
+        <p:nvSpPr>
+          <p:cNvPr id="68" name="TextBox 67"/>
+          <p:cNvSpPr txBox="1"/>
+          <p:nvPr/>
+        </p:nvSpPr>
+        <p:spPr>
+          <a:xfrm>
+            <a:off x="2187050" y="994721"/>
+            <a:ext cx="1507144" cy="246221"/>
+          </a:xfrm>
+          <a:prstGeom prst="rect">
+            <a:avLst/>
+          </a:prstGeom>
+          <a:noFill/>
+        </p:spPr>
+        <p:txBody>
+          <a:bodyPr wrap="none" rtlCol="0">
+            <a:spAutoFit/>
+          </a:bodyPr>
+          <a:lstStyle/>
+          <a:p>
+            <a:r>
+              <a:rPr lang="en-US" sz="1000" dirty="0" smtClean="0">
+                <a:solidFill>
+                  <a:schemeClr val="accent6">
+                    <a:lumMod val="75000"/>
+                  </a:schemeClr>
+                </a:solidFill>
+              </a:rPr>
+              <a:t>1      2     3   …    …   …  202</a:t>
+            </a:r>
+          </a:p>
+        </p:txBody>
+      </p:sp>
+      <p:grpSp>
+        <p:nvGrpSpPr>
+          <p:cNvPr id="69" name="Group 68"/>
+          <p:cNvGrpSpPr/>
+          <p:nvPr/>
+        </p:nvGrpSpPr>
+        <p:grpSpPr>
+          <a:xfrm>
+            <a:off x="2201445" y="1207224"/>
+            <a:ext cx="2007704" cy="1785068"/>
+            <a:chOff x="7239099" y="2186437"/>
+            <a:chExt cx="2007704" cy="1785068"/>
+          </a:xfrm>
+        </p:grpSpPr>
+        <p:sp>
+          <p:nvSpPr>
+            <p:cNvPr id="70" name="Rectangle 69"/>
+            <p:cNvSpPr/>
+            <p:nvPr/>
+          </p:nvSpPr>
+          <p:spPr>
+            <a:xfrm>
+              <a:off x="7696299" y="2643637"/>
+              <a:ext cx="1550504" cy="1327868"/>
+            </a:xfrm>
+            <a:prstGeom prst="rect">
+              <a:avLst/>
+            </a:prstGeom>
+          </p:spPr>
+          <p:style>
+            <a:lnRef idx="1">
+              <a:schemeClr val="accent1"/>
+            </a:lnRef>
+            <a:fillRef idx="2">
+              <a:schemeClr val="accent1"/>
+            </a:fillRef>
+            <a:effectRef idx="1">
+              <a:schemeClr val="accent1"/>
+            </a:effectRef>
+            <a:fontRef idx="minor">
+              <a:schemeClr val="dk1"/>
+            </a:fontRef>
+          </p:style>
+          <p:txBody>
+            <a:bodyPr rtlCol="0" anchor="ctr"/>
+            <a:lstStyle/>
+            <a:p>
+              <a:pPr algn="ctr"/>
+              <a:endParaRPr lang="en-US"/>
+            </a:p>
+          </p:txBody>
+        </p:sp>
+        <p:sp>
+          <p:nvSpPr>
+            <p:cNvPr id="71" name="Rectangle 70"/>
+            <p:cNvSpPr/>
+            <p:nvPr/>
+          </p:nvSpPr>
+          <p:spPr>
+            <a:xfrm>
+              <a:off x="7543899" y="2491237"/>
+              <a:ext cx="1550504" cy="1327868"/>
+            </a:xfrm>
+            <a:prstGeom prst="rect">
+              <a:avLst/>
+            </a:prstGeom>
+          </p:spPr>
+          <p:style>
+            <a:lnRef idx="1">
+              <a:schemeClr val="accent1"/>
+            </a:lnRef>
+            <a:fillRef idx="2">
+              <a:schemeClr val="accent1"/>
+            </a:fillRef>
+            <a:effectRef idx="1">
+              <a:schemeClr val="accent1"/>
+            </a:effectRef>
+            <a:fontRef idx="minor">
+              <a:schemeClr val="dk1"/>
+            </a:fontRef>
+          </p:style>
+          <p:txBody>
+            <a:bodyPr rtlCol="0" anchor="ctr"/>
+            <a:lstStyle/>
+            <a:p>
+              <a:pPr algn="ctr"/>
+              <a:endParaRPr lang="en-US"/>
+            </a:p>
+          </p:txBody>
+        </p:sp>
+        <p:sp>
+          <p:nvSpPr>
+            <p:cNvPr id="72" name="Rectangle 71"/>
+            <p:cNvSpPr/>
+            <p:nvPr/>
+          </p:nvSpPr>
+          <p:spPr>
+            <a:xfrm>
+              <a:off x="7391499" y="2338837"/>
+              <a:ext cx="1550504" cy="1327868"/>
+            </a:xfrm>
+            <a:prstGeom prst="rect">
+              <a:avLst/>
+            </a:prstGeom>
+          </p:spPr>
+          <p:style>
+            <a:lnRef idx="1">
+              <a:schemeClr val="accent1"/>
+            </a:lnRef>
+            <a:fillRef idx="2">
+              <a:schemeClr val="accent1"/>
+            </a:fillRef>
+            <a:effectRef idx="1">
+              <a:schemeClr val="accent1"/>
+            </a:effectRef>
+            <a:fontRef idx="minor">
+              <a:schemeClr val="dk1"/>
+            </a:fontRef>
+          </p:style>
+          <p:txBody>
+            <a:bodyPr rtlCol="0" anchor="ctr"/>
+            <a:lstStyle/>
+            <a:p>
+              <a:pPr algn="ctr"/>
+              <a:endParaRPr lang="en-US"/>
+            </a:p>
+          </p:txBody>
+        </p:sp>
+        <p:sp>
+          <p:nvSpPr>
+            <p:cNvPr id="73" name="Rectangle 72"/>
+            <p:cNvSpPr/>
+            <p:nvPr/>
+          </p:nvSpPr>
+          <p:spPr>
+            <a:xfrm>
+              <a:off x="7239099" y="2186437"/>
+              <a:ext cx="1550504" cy="1327868"/>
+            </a:xfrm>
+            <a:prstGeom prst="rect">
+              <a:avLst/>
+            </a:prstGeom>
+          </p:spPr>
+          <p:style>
+            <a:lnRef idx="1">
+              <a:schemeClr val="accent1"/>
+            </a:lnRef>
+            <a:fillRef idx="2">
+              <a:schemeClr val="accent1"/>
+            </a:fillRef>
+            <a:effectRef idx="1">
+              <a:schemeClr val="accent1"/>
+            </a:effectRef>
+            <a:fontRef idx="minor">
+              <a:schemeClr val="dk1"/>
+            </a:fontRef>
+          </p:style>
+          <p:txBody>
+            <a:bodyPr rtlCol="0" anchor="ctr"/>
+            <a:lstStyle/>
+            <a:p>
+              <a:pPr algn="ctr"/>
+              <a:endParaRPr lang="en-US"/>
+            </a:p>
+          </p:txBody>
+        </p:sp>
+      </p:grpSp>
+      <p:cxnSp>
+        <p:nvCxnSpPr>
+          <p:cNvPr id="74" name="Straight Arrow Connector 73"/>
+          <p:cNvCxnSpPr/>
+          <p:nvPr/>
+        </p:nvCxnSpPr>
+        <p:spPr>
+          <a:xfrm>
+            <a:off x="3751949" y="2535092"/>
+            <a:ext cx="518934" cy="532738"/>
+          </a:xfrm>
+          <a:prstGeom prst="straightConnector1">
+            <a:avLst/>
+          </a:prstGeom>
+          <a:ln>
+            <a:tailEnd type="triangle"/>
+          </a:ln>
+        </p:spPr>
+        <p:style>
+          <a:lnRef idx="1">
+            <a:schemeClr val="accent2"/>
+          </a:lnRef>
+          <a:fillRef idx="0">
+            <a:schemeClr val="accent2"/>
+          </a:fillRef>
+          <a:effectRef idx="0">
+            <a:schemeClr val="accent2"/>
+          </a:effectRef>
+          <a:fontRef idx="minor">
+            <a:schemeClr val="tx1"/>
+          </a:fontRef>
+        </p:style>
+      </p:cxnSp>
+      <p:sp>
+        <p:nvSpPr>
+          <p:cNvPr id="75" name="TextBox 74"/>
+          <p:cNvSpPr txBox="1"/>
+          <p:nvPr/>
+        </p:nvSpPr>
+        <p:spPr>
+          <a:xfrm>
+            <a:off x="2196531" y="1171760"/>
+            <a:ext cx="341760" cy="1323439"/>
+          </a:xfrm>
+          <a:prstGeom prst="rect">
+            <a:avLst/>
+          </a:prstGeom>
+          <a:noFill/>
+        </p:spPr>
+        <p:txBody>
+          <a:bodyPr wrap="none" rtlCol="0">
+            <a:spAutoFit/>
+          </a:bodyPr>
+          <a:lstStyle/>
+          <a:p>
+            <a:r>
+              <a:rPr lang="en-US" sz="1000" dirty="0" smtClean="0"/>
+              <a:t>1</a:t>
+            </a:r>
+          </a:p>
+          <a:p>
+            <a:r>
+              <a:rPr lang="en-US" sz="1000" dirty="0" smtClean="0"/>
+              <a:t>0</a:t>
+            </a:r>
+          </a:p>
+          <a:p>
+            <a:r>
+              <a:rPr lang="en-US" sz="1000" dirty="0" smtClean="0"/>
+              <a:t>2</a:t>
+            </a:r>
+          </a:p>
+          <a:p>
+            <a:r>
+              <a:rPr lang="en-US" sz="1000" dirty="0" smtClean="0"/>
+              <a:t>0</a:t>
+            </a:r>
+          </a:p>
+          <a:p>
+            <a:r>
+              <a:rPr lang="en-US" sz="1000" dirty="0" smtClean="0"/>
+              <a:t>3</a:t>
+            </a:r>
+          </a:p>
+          <a:p>
+            <a:r>
+              <a:rPr lang="en-US" sz="1000" dirty="0" smtClean="0"/>
+              <a:t>3</a:t>
+            </a:r>
+          </a:p>
+          <a:p>
+            <a:r>
+              <a:rPr lang="en-US" sz="1000" dirty="0" smtClean="0"/>
+              <a:t>NA</a:t>
+            </a:r>
+          </a:p>
+          <a:p>
+            <a:r>
+              <a:rPr lang="en-US" sz="1000" dirty="0" smtClean="0"/>
+              <a:t>NA</a:t>
+            </a:r>
+            <a:endParaRPr lang="en-US" sz="1000" dirty="0" smtClean="0"/>
+          </a:p>
+        </p:txBody>
+      </p:sp>
+      <p:sp>
+        <p:nvSpPr>
+          <p:cNvPr id="76" name="TextBox 75"/>
+          <p:cNvSpPr txBox="1"/>
+          <p:nvPr/>
+        </p:nvSpPr>
+        <p:spPr>
+          <a:xfrm>
+            <a:off x="2406349" y="1178370"/>
+            <a:ext cx="250390" cy="1323439"/>
+          </a:xfrm>
+          <a:prstGeom prst="rect">
+            <a:avLst/>
+          </a:prstGeom>
+          <a:noFill/>
+        </p:spPr>
+        <p:txBody>
+          <a:bodyPr wrap="none" rtlCol="0">
+            <a:spAutoFit/>
+          </a:bodyPr>
+          <a:lstStyle/>
+          <a:p>
+            <a:r>
+              <a:rPr lang="en-US" sz="1000" dirty="0" smtClean="0"/>
+              <a:t>0</a:t>
+            </a:r>
+          </a:p>
+          <a:p>
+            <a:r>
+              <a:rPr lang="en-US" sz="1000" dirty="0" smtClean="0"/>
+              <a:t>0</a:t>
+            </a:r>
+          </a:p>
+          <a:p>
+            <a:r>
+              <a:rPr lang="en-US" sz="1000" dirty="0" smtClean="0"/>
+              <a:t>2</a:t>
+            </a:r>
+          </a:p>
+          <a:p>
+            <a:r>
+              <a:rPr lang="en-US" sz="1000" dirty="0" smtClean="0"/>
+              <a:t>0</a:t>
+            </a:r>
+          </a:p>
+          <a:p>
+            <a:r>
+              <a:rPr lang="en-US" sz="1000" dirty="0" smtClean="0"/>
+              <a:t>1</a:t>
+            </a:r>
+          </a:p>
+          <a:p>
+            <a:r>
+              <a:rPr lang="en-US" sz="1000" dirty="0" smtClean="0"/>
+              <a:t>0</a:t>
+            </a:r>
+          </a:p>
+          <a:p>
+            <a:r>
+              <a:rPr lang="en-US" sz="1000" dirty="0" smtClean="0"/>
+              <a:t>2</a:t>
+            </a:r>
+          </a:p>
+          <a:p>
+            <a:r>
+              <a:rPr lang="en-US" sz="1000" dirty="0"/>
+              <a:t>2</a:t>
+            </a:r>
+            <a:endParaRPr lang="en-US" sz="1000" dirty="0" smtClean="0"/>
+          </a:p>
+        </p:txBody>
+      </p:sp>
+      <p:sp>
+        <p:nvSpPr>
+          <p:cNvPr id="77" name="TextBox 76"/>
+          <p:cNvSpPr txBox="1"/>
+          <p:nvPr/>
+        </p:nvSpPr>
+        <p:spPr>
+          <a:xfrm>
+            <a:off x="2633359" y="1184981"/>
+            <a:ext cx="341760" cy="1323439"/>
+          </a:xfrm>
+          <a:prstGeom prst="rect">
+            <a:avLst/>
+          </a:prstGeom>
+          <a:noFill/>
+        </p:spPr>
+        <p:txBody>
+          <a:bodyPr wrap="none" rtlCol="0">
+            <a:spAutoFit/>
+          </a:bodyPr>
+          <a:lstStyle/>
+          <a:p>
+            <a:r>
+              <a:rPr lang="en-US" sz="1000" dirty="0" smtClean="0"/>
+              <a:t>6</a:t>
+            </a:r>
+          </a:p>
+          <a:p>
+            <a:r>
+              <a:rPr lang="en-US" sz="1000" dirty="0" smtClean="0"/>
+              <a:t>5</a:t>
+            </a:r>
+          </a:p>
+          <a:p>
+            <a:r>
+              <a:rPr lang="en-US" sz="1000" dirty="0" smtClean="0"/>
+              <a:t>3</a:t>
+            </a:r>
+          </a:p>
+          <a:p>
+            <a:r>
+              <a:rPr lang="en-US" sz="1000" dirty="0" smtClean="0"/>
+              <a:t>3</a:t>
+            </a:r>
+          </a:p>
+          <a:p>
+            <a:r>
+              <a:rPr lang="en-US" sz="1000" dirty="0" smtClean="0"/>
+              <a:t>NA</a:t>
+            </a:r>
+          </a:p>
+          <a:p>
+            <a:r>
+              <a:rPr lang="en-US" sz="1000" dirty="0" smtClean="0"/>
+              <a:t>NA</a:t>
+            </a:r>
+          </a:p>
+          <a:p>
+            <a:r>
+              <a:rPr lang="en-US" sz="1000" dirty="0" smtClean="0"/>
+              <a:t>NA</a:t>
+            </a:r>
+          </a:p>
+          <a:p>
+            <a:r>
+              <a:rPr lang="en-US" sz="1000" dirty="0" smtClean="0"/>
+              <a:t>NA</a:t>
+            </a:r>
+            <a:endParaRPr lang="en-US" sz="1000" dirty="0" smtClean="0"/>
+          </a:p>
+        </p:txBody>
+      </p:sp>
+      <p:sp>
+        <p:nvSpPr>
+          <p:cNvPr id="78" name="TextBox 77"/>
+          <p:cNvSpPr txBox="1"/>
+          <p:nvPr/>
+        </p:nvSpPr>
+        <p:spPr>
+          <a:xfrm>
+            <a:off x="394375" y="331098"/>
+            <a:ext cx="3807664" cy="338554"/>
+          </a:xfrm>
+          <a:prstGeom prst="rect">
+            <a:avLst/>
+          </a:prstGeom>
+          <a:noFill/>
+        </p:spPr>
+        <p:txBody>
+          <a:bodyPr wrap="square" rtlCol="0">
+            <a:spAutoFit/>
+          </a:bodyPr>
+          <a:lstStyle/>
+          <a:p>
+            <a:r>
+              <a:rPr lang="en-US" sz="1600" dirty="0" smtClean="0"/>
+              <a:t>M[202, 10, 11</a:t>
+            </a:r>
+            <a:r>
+              <a:rPr lang="en-US" sz="1600" dirty="0" smtClean="0"/>
+              <a:t>]</a:t>
+            </a:r>
+          </a:p>
+        </p:txBody>
+      </p:sp>
+      <p:sp>
+        <p:nvSpPr>
+          <p:cNvPr id="79" name="TextBox 78"/>
+          <p:cNvSpPr txBox="1"/>
+          <p:nvPr/>
+        </p:nvSpPr>
+        <p:spPr>
+          <a:xfrm>
+            <a:off x="6467938" y="2306990"/>
+            <a:ext cx="968022" cy="369332"/>
+          </a:xfrm>
+          <a:prstGeom prst="rect">
+            <a:avLst/>
+          </a:prstGeom>
+          <a:noFill/>
+        </p:spPr>
+        <p:txBody>
+          <a:bodyPr wrap="none" rtlCol="0">
+            <a:spAutoFit/>
+          </a:bodyPr>
+          <a:lstStyle/>
+          <a:p>
+            <a:r>
+              <a:rPr lang="en-US" dirty="0" smtClean="0">
+                <a:solidFill>
+                  <a:schemeClr val="accent6">
+                    <a:lumMod val="75000"/>
+                  </a:schemeClr>
+                </a:solidFill>
+              </a:rPr>
+              <a:t>Group[j]</a:t>
+            </a:r>
+            <a:endParaRPr lang="en-US" dirty="0">
+              <a:solidFill>
+                <a:schemeClr val="accent6">
+                  <a:lumMod val="75000"/>
+                </a:schemeClr>
+              </a:solidFill>
+            </a:endParaRPr>
+          </a:p>
+        </p:txBody>
+      </p:sp>
+      <p:sp>
+        <p:nvSpPr>
+          <p:cNvPr id="80" name="TextBox 79"/>
+          <p:cNvSpPr txBox="1"/>
+          <p:nvPr/>
+        </p:nvSpPr>
+        <p:spPr>
+          <a:xfrm>
+            <a:off x="9312926" y="1049720"/>
+            <a:ext cx="1017715" cy="369332"/>
+          </a:xfrm>
+          <a:prstGeom prst="rect">
+            <a:avLst/>
+          </a:prstGeom>
+          <a:noFill/>
+        </p:spPr>
+        <p:txBody>
+          <a:bodyPr wrap="none" rtlCol="0">
+            <a:spAutoFit/>
+          </a:bodyPr>
+          <a:lstStyle/>
+          <a:p>
+            <a:r>
+              <a:rPr lang="en-US" dirty="0" smtClean="0">
+                <a:solidFill>
+                  <a:schemeClr val="accent6">
+                    <a:lumMod val="75000"/>
+                  </a:schemeClr>
+                </a:solidFill>
+              </a:rPr>
+              <a:t>Group[k]</a:t>
+            </a:r>
+            <a:endParaRPr lang="en-US" dirty="0">
+              <a:solidFill>
+                <a:schemeClr val="accent6">
+                  <a:lumMod val="75000"/>
+                </a:schemeClr>
+              </a:solidFill>
+            </a:endParaRPr>
+          </a:p>
+        </p:txBody>
+      </p:sp>
+      <p:sp>
+        <p:nvSpPr>
+          <p:cNvPr id="81" name="TextBox 80"/>
+          <p:cNvSpPr txBox="1"/>
+          <p:nvPr/>
+        </p:nvSpPr>
+        <p:spPr>
+          <a:xfrm>
+            <a:off x="9119960" y="1347985"/>
+            <a:ext cx="679994" cy="369332"/>
+          </a:xfrm>
+          <a:prstGeom prst="rect">
+            <a:avLst/>
+          </a:prstGeom>
+          <a:noFill/>
+        </p:spPr>
+        <p:txBody>
+          <a:bodyPr wrap="none" rtlCol="0">
+            <a:spAutoFit/>
+          </a:bodyPr>
+          <a:lstStyle/>
+          <a:p>
+            <a:r>
+              <a:rPr lang="en-US" dirty="0" err="1" smtClean="0">
+                <a:solidFill>
+                  <a:srgbClr val="0070C0"/>
+                </a:solidFill>
+              </a:rPr>
+              <a:t>Ind</a:t>
+            </a:r>
+            <a:r>
+              <a:rPr lang="en-US" dirty="0" smtClean="0">
+                <a:solidFill>
+                  <a:srgbClr val="0070C0"/>
+                </a:solidFill>
+              </a:rPr>
+              <a:t>[l]</a:t>
+            </a:r>
+            <a:endParaRPr lang="en-US" dirty="0">
+              <a:solidFill>
+                <a:srgbClr val="0070C0"/>
+              </a:solidFill>
+            </a:endParaRPr>
+          </a:p>
+        </p:txBody>
+      </p:sp>
+      <p:sp>
+        <p:nvSpPr>
+          <p:cNvPr id="82" name="TextBox 81"/>
+          <p:cNvSpPr txBox="1"/>
+          <p:nvPr/>
+        </p:nvSpPr>
+        <p:spPr>
+          <a:xfrm>
+            <a:off x="485123" y="5030430"/>
+            <a:ext cx="968022" cy="369332"/>
+          </a:xfrm>
+          <a:prstGeom prst="rect">
+            <a:avLst/>
+          </a:prstGeom>
+          <a:noFill/>
+        </p:spPr>
+        <p:txBody>
+          <a:bodyPr wrap="none" rtlCol="0">
+            <a:spAutoFit/>
+          </a:bodyPr>
+          <a:lstStyle/>
+          <a:p>
+            <a:r>
+              <a:rPr lang="en-US" dirty="0" smtClean="0">
+                <a:solidFill>
+                  <a:schemeClr val="accent6">
+                    <a:lumMod val="75000"/>
+                  </a:schemeClr>
+                </a:solidFill>
+              </a:rPr>
+              <a:t>Group[j]</a:t>
+            </a:r>
+            <a:endParaRPr lang="en-US" dirty="0">
+              <a:solidFill>
+                <a:schemeClr val="accent6">
+                  <a:lumMod val="75000"/>
+                </a:schemeClr>
+              </a:solidFill>
+            </a:endParaRPr>
+          </a:p>
+        </p:txBody>
+      </p:sp>
+      <p:sp>
+        <p:nvSpPr>
+          <p:cNvPr id="83" name="TextBox 82"/>
+          <p:cNvSpPr txBox="1"/>
+          <p:nvPr/>
+        </p:nvSpPr>
+        <p:spPr>
+          <a:xfrm>
+            <a:off x="2144689" y="4050064"/>
+            <a:ext cx="1017715" cy="369332"/>
+          </a:xfrm>
+          <a:prstGeom prst="rect">
+            <a:avLst/>
+          </a:prstGeom>
+          <a:noFill/>
+        </p:spPr>
+        <p:txBody>
+          <a:bodyPr wrap="none" rtlCol="0">
+            <a:spAutoFit/>
+          </a:bodyPr>
+          <a:lstStyle/>
+          <a:p>
+            <a:r>
+              <a:rPr lang="en-US" dirty="0" smtClean="0">
+                <a:solidFill>
+                  <a:schemeClr val="accent6">
+                    <a:lumMod val="75000"/>
+                  </a:schemeClr>
+                </a:solidFill>
+              </a:rPr>
+              <a:t>Group[k]</a:t>
+            </a:r>
+            <a:endParaRPr lang="en-US" dirty="0">
+              <a:solidFill>
+                <a:schemeClr val="accent6">
+                  <a:lumMod val="75000"/>
+                </a:schemeClr>
+              </a:solidFill>
+            </a:endParaRPr>
+          </a:p>
+        </p:txBody>
+      </p:sp>
+      <p:cxnSp>
+        <p:nvCxnSpPr>
+          <p:cNvPr id="89" name="Straight Arrow Connector 88"/>
+          <p:cNvCxnSpPr/>
+          <p:nvPr/>
+        </p:nvCxnSpPr>
+        <p:spPr>
+          <a:xfrm>
+            <a:off x="1459787" y="4482053"/>
+            <a:ext cx="18197" cy="1641309"/>
           </a:xfrm>
           <a:prstGeom prst="straightConnector1">
             <a:avLst/>
@@ -4126,16 +7091,49 @@
           </a:fontRef>
         </p:style>
       </p:cxnSp>
-      <p:sp>
-        <p:nvSpPr>
-          <p:cNvPr id="43" name="TextBox 42"/>
+      <p:cxnSp>
+        <p:nvCxnSpPr>
+          <p:cNvPr id="90" name="Straight Arrow Connector 89"/>
+          <p:cNvCxnSpPr/>
+          <p:nvPr/>
+        </p:nvCxnSpPr>
+        <p:spPr>
+          <a:xfrm flipV="1">
+            <a:off x="8626592" y="1713218"/>
+            <a:ext cx="1704049" cy="4962"/>
+          </a:xfrm>
+          <a:prstGeom prst="straightConnector1">
+            <a:avLst/>
+          </a:prstGeom>
+          <a:ln>
+            <a:tailEnd type="triangle"/>
+          </a:ln>
+        </p:spPr>
+        <p:style>
+          <a:lnRef idx="1">
+            <a:schemeClr val="accent1"/>
+          </a:lnRef>
+          <a:fillRef idx="0">
+            <a:schemeClr val="accent1"/>
+          </a:fillRef>
+          <a:effectRef idx="0">
+            <a:schemeClr val="accent1"/>
+          </a:effectRef>
+          <a:fontRef idx="minor">
+            <a:schemeClr val="tx1"/>
+          </a:fontRef>
+        </p:style>
+      </p:cxnSp>
+      <p:sp>
+        <p:nvSpPr>
+          <p:cNvPr id="91" name="TextBox 90"/>
           <p:cNvSpPr txBox="1"/>
           <p:nvPr/>
         </p:nvSpPr>
         <p:spPr>
           <a:xfrm>
-            <a:off x="8971462" y="4516859"/>
-            <a:ext cx="495649" cy="369332"/>
+            <a:off x="7015908" y="5746734"/>
+            <a:ext cx="968022" cy="369332"/>
           </a:xfrm>
           <a:prstGeom prst="rect">
             <a:avLst/>
@@ -4151,14 +7149,18 @@
             <a:r>
               <a:rPr lang="en-US" dirty="0" smtClean="0">
                 <a:solidFill>
-                  <a:srgbClr val="00B050"/>
-                </a:solidFill>
-              </a:rPr>
-              <a:t>grp</a:t>
+                  <a:schemeClr val="accent6">
+                    <a:lumMod val="75000"/>
+                  </a:schemeClr>
+                </a:solidFill>
+              </a:rPr>
+              <a:t>Group[j]</a:t>
             </a:r>
             <a:endParaRPr lang="en-US" dirty="0">
               <a:solidFill>
-                <a:srgbClr val="00B050"/>
+                <a:schemeClr val="accent6">
+                  <a:lumMod val="75000"/>
+                </a:schemeClr>
               </a:solidFill>
             </a:endParaRPr>
           </a:p>
@@ -4166,58 +7168,14 @@
       </p:sp>
       <p:sp>
         <p:nvSpPr>
-          <p:cNvPr id="44" name="TextBox 43"/>
+          <p:cNvPr id="92" name="TextBox 91"/>
           <p:cNvSpPr txBox="1"/>
           <p:nvPr/>
         </p:nvSpPr>
         <p:spPr>
           <a:xfrm>
-            <a:off x="7635097" y="3632961"/>
-            <a:ext cx="3440696" cy="830997"/>
-          </a:xfrm>
-          <a:prstGeom prst="rect">
-            <a:avLst/>
-          </a:prstGeom>
-          <a:noFill/>
-        </p:spPr>
-        <p:txBody>
-          <a:bodyPr wrap="square" rtlCol="0">
-            <a:spAutoFit/>
-          </a:bodyPr>
-          <a:lstStyle/>
-          <a:p>
-            <a:r>
-              <a:rPr lang="en-US" sz="1600" dirty="0" err="1" smtClean="0"/>
-              <a:t>Diss</a:t>
-            </a:r>
-            <a:r>
-              <a:rPr lang="en-US" sz="1600" dirty="0" smtClean="0"/>
-              <a:t>[ 10, 10]</a:t>
-            </a:r>
-          </a:p>
-          <a:p>
-            <a:pPr marL="285750" indent="-285750">
-              <a:buFont typeface="Arial" panose="020B0604020202020204" pitchFamily="34" charset="0"/>
-              <a:buChar char="•"/>
-            </a:pPr>
-            <a:r>
-              <a:rPr lang="en-US" sz="1600" dirty="0" smtClean="0"/>
-              <a:t>Summarizes [hl]; average intra-/inter-group difference </a:t>
-            </a:r>
-            <a:endParaRPr lang="en-US" sz="1600" dirty="0"/>
-          </a:p>
-        </p:txBody>
-      </p:sp>
-      <p:sp>
-        <p:nvSpPr>
-          <p:cNvPr id="45" name="TextBox 44"/>
-          <p:cNvSpPr txBox="1"/>
-          <p:nvPr/>
-        </p:nvSpPr>
-        <p:spPr>
-          <a:xfrm>
-            <a:off x="7718759" y="5380627"/>
-            <a:ext cx="495649" cy="369332"/>
+            <a:off x="8576805" y="4750359"/>
+            <a:ext cx="1017715" cy="369332"/>
           </a:xfrm>
           <a:prstGeom prst="rect">
             <a:avLst/>
@@ -4233,29 +7191,66 @@
             <a:r>
               <a:rPr lang="en-US" dirty="0" smtClean="0">
                 <a:solidFill>
-                  <a:srgbClr val="0070C0"/>
-                </a:solidFill>
-              </a:rPr>
-              <a:t>grp</a:t>
+                  <a:schemeClr val="accent6">
+                    <a:lumMod val="75000"/>
+                  </a:schemeClr>
+                </a:solidFill>
+              </a:rPr>
+              <a:t>Group[k]</a:t>
             </a:r>
             <a:endParaRPr lang="en-US" dirty="0">
               <a:solidFill>
-                <a:srgbClr val="0070C0"/>
+                <a:schemeClr val="accent6">
+                  <a:lumMod val="75000"/>
+                </a:schemeClr>
               </a:solidFill>
             </a:endParaRPr>
           </a:p>
         </p:txBody>
       </p:sp>
-      <p:sp>
-        <p:nvSpPr>
-          <p:cNvPr id="46" name="TextBox 45"/>
+      <p:cxnSp>
+        <p:nvCxnSpPr>
+          <p:cNvPr id="93" name="Straight Arrow Connector 92"/>
+          <p:cNvCxnSpPr/>
+          <p:nvPr/>
+        </p:nvCxnSpPr>
+        <p:spPr>
+          <a:xfrm>
+            <a:off x="8278210" y="5384131"/>
+            <a:ext cx="4306" cy="1452280"/>
+          </a:xfrm>
+          <a:prstGeom prst="straightConnector1">
+            <a:avLst/>
+          </a:prstGeom>
+          <a:ln>
+            <a:tailEnd type="triangle"/>
+          </a:ln>
+        </p:spPr>
+        <p:style>
+          <a:lnRef idx="1">
+            <a:schemeClr val="accent6"/>
+          </a:lnRef>
+          <a:fillRef idx="0">
+            <a:schemeClr val="accent6"/>
+          </a:fillRef>
+          <a:effectRef idx="0">
+            <a:schemeClr val="accent6"/>
+          </a:effectRef>
+          <a:fontRef idx="minor">
+            <a:schemeClr val="tx1"/>
+          </a:fontRef>
+        </p:style>
+      </p:cxnSp>
+      <p:sp>
+        <p:nvSpPr>
+          <p:cNvPr id="94" name="TextBox 93"/>
           <p:cNvSpPr txBox="1"/>
           <p:nvPr/>
         </p:nvSpPr>
         <p:spPr>
           <a:xfrm>
-            <a:off x="8555973" y="5274043"/>
-            <a:ext cx="1312411" cy="276999"/>
+            <a:off x="1858057" y="4364468"/>
+            <a:ext cx="1441420" cy="246221"/>
           </a:xfrm>
           <a:prstGeom prst="rect">
             <a:avLst/>
@@ -4269,31 +7264,28 @@
           <a:lstStyle/>
           <a:p>
             <a:r>
-              <a:rPr lang="en-US" sz="1200" dirty="0" smtClean="0"/>
-              <a:t>Abs(mean(hl[</a:t>
-            </a:r>
-            <a:r>
-              <a:rPr lang="en-US" sz="1200" dirty="0" err="1" smtClean="0"/>
-              <a:t>j,i</a:t>
-            </a:r>
-            <a:r>
-              <a:rPr lang="en-US" sz="1200" dirty="0" smtClean="0"/>
-              <a:t>,]))</a:t>
-            </a:r>
-            <a:endParaRPr lang="en-US" sz="1200" dirty="0"/>
-          </a:p>
-        </p:txBody>
-      </p:sp>
-      <p:sp>
-        <p:nvSpPr>
-          <p:cNvPr id="47" name="TextBox 46"/>
+              <a:rPr lang="en-US" sz="1000" dirty="0" smtClean="0">
+                <a:solidFill>
+                  <a:schemeClr val="accent6">
+                    <a:lumMod val="75000"/>
+                  </a:schemeClr>
+                </a:solidFill>
+              </a:rPr>
+              <a:t>1      2     3   …    …   …  10</a:t>
+            </a:r>
+          </a:p>
+        </p:txBody>
+      </p:sp>
+      <p:sp>
+        <p:nvSpPr>
+          <p:cNvPr id="95" name="TextBox 94"/>
           <p:cNvSpPr txBox="1"/>
           <p:nvPr/>
         </p:nvSpPr>
         <p:spPr>
           <a:xfrm>
-            <a:off x="2281013" y="5011528"/>
-            <a:ext cx="958468" cy="276999"/>
+            <a:off x="1557809" y="4570803"/>
+            <a:ext cx="316112" cy="1323439"/>
           </a:xfrm>
           <a:prstGeom prst="rect">
             <a:avLst/>
@@ -4307,23 +7299,109 @@
           <a:lstStyle/>
           <a:p>
             <a:r>
-              <a:rPr lang="en-US" sz="1200" dirty="0" smtClean="0"/>
-              <a:t>Mean(store)</a:t>
-            </a:r>
-            <a:endParaRPr lang="en-US" sz="1200" dirty="0"/>
-          </a:p>
-        </p:txBody>
-      </p:sp>
-      <p:sp>
-        <p:nvSpPr>
-          <p:cNvPr id="50" name="TextBox 49"/>
+              <a:rPr lang="en-US" sz="1000" dirty="0" smtClean="0">
+                <a:solidFill>
+                  <a:schemeClr val="accent6">
+                    <a:lumMod val="75000"/>
+                  </a:schemeClr>
+                </a:solidFill>
+              </a:rPr>
+              <a:t>1</a:t>
+            </a:r>
+          </a:p>
+          <a:p>
+            <a:r>
+              <a:rPr lang="en-US" sz="1000" dirty="0" smtClean="0">
+                <a:solidFill>
+                  <a:schemeClr val="accent6">
+                    <a:lumMod val="75000"/>
+                  </a:schemeClr>
+                </a:solidFill>
+              </a:rPr>
+              <a:t>2</a:t>
+            </a:r>
+          </a:p>
+          <a:p>
+            <a:r>
+              <a:rPr lang="en-US" sz="1000" dirty="0" smtClean="0">
+                <a:solidFill>
+                  <a:schemeClr val="accent6">
+                    <a:lumMod val="75000"/>
+                  </a:schemeClr>
+                </a:solidFill>
+              </a:rPr>
+              <a:t>3</a:t>
+            </a:r>
+          </a:p>
+          <a:p>
+            <a:r>
+              <a:rPr lang="en-US" sz="1000" dirty="0" smtClean="0">
+                <a:solidFill>
+                  <a:schemeClr val="accent6">
+                    <a:lumMod val="75000"/>
+                  </a:schemeClr>
+                </a:solidFill>
+              </a:rPr>
+              <a:t>…</a:t>
+            </a:r>
+          </a:p>
+          <a:p>
+            <a:r>
+              <a:rPr lang="en-US" sz="1000" dirty="0" smtClean="0">
+                <a:solidFill>
+                  <a:schemeClr val="accent6">
+                    <a:lumMod val="75000"/>
+                  </a:schemeClr>
+                </a:solidFill>
+              </a:rPr>
+              <a:t>…</a:t>
+            </a:r>
+          </a:p>
+          <a:p>
+            <a:r>
+              <a:rPr lang="en-US" sz="1000" dirty="0" smtClean="0">
+                <a:solidFill>
+                  <a:schemeClr val="accent6">
+                    <a:lumMod val="75000"/>
+                  </a:schemeClr>
+                </a:solidFill>
+              </a:rPr>
+              <a:t>…</a:t>
+            </a:r>
+          </a:p>
+          <a:p>
+            <a:endParaRPr lang="en-US" sz="1000" dirty="0">
+              <a:solidFill>
+                <a:schemeClr val="accent6">
+                  <a:lumMod val="75000"/>
+                </a:schemeClr>
+              </a:solidFill>
+            </a:endParaRPr>
+          </a:p>
+          <a:p>
+            <a:r>
+              <a:rPr lang="en-US" sz="1000" dirty="0" smtClean="0">
+                <a:solidFill>
+                  <a:schemeClr val="accent6">
+                    <a:lumMod val="75000"/>
+                  </a:schemeClr>
+                </a:solidFill>
+              </a:rPr>
+              <a:t>10</a:t>
+            </a:r>
+          </a:p>
+        </p:txBody>
+      </p:sp>
+      <p:sp>
+        <p:nvSpPr>
+          <p:cNvPr id="97" name="TextBox 96"/>
           <p:cNvSpPr txBox="1"/>
           <p:nvPr/>
         </p:nvSpPr>
         <p:spPr>
           <a:xfrm>
-            <a:off x="8323044" y="1664083"/>
-            <a:ext cx="914033" cy="861774"/>
+            <a:off x="8760628" y="1895191"/>
+            <a:ext cx="288862" cy="1015663"/>
           </a:xfrm>
           <a:prstGeom prst="rect">
             <a:avLst/>
@@ -4343,56 +7421,46 @@
           </a:p>
           <a:p>
             <a:r>
-              <a:rPr lang="en-US" sz="1000" dirty="0"/>
-              <a:t> </a:t>
-            </a:r>
-            <a:r>
-              <a:rPr lang="en-US" sz="1000" dirty="0" smtClean="0"/>
-              <a:t>    0</a:t>
-            </a:r>
-          </a:p>
-          <a:p>
-            <a:r>
-              <a:rPr lang="en-US" sz="1000" dirty="0"/>
-              <a:t> </a:t>
-            </a:r>
-            <a:r>
-              <a:rPr lang="en-US" sz="1000" dirty="0" smtClean="0"/>
-              <a:t>          0</a:t>
-            </a:r>
-          </a:p>
-          <a:p>
-            <a:r>
-              <a:rPr lang="en-US" sz="1000" dirty="0"/>
-              <a:t> </a:t>
-            </a:r>
-            <a:r>
-              <a:rPr lang="en-US" sz="1000" dirty="0" smtClean="0"/>
-              <a:t>                0</a:t>
-            </a:r>
-          </a:p>
-          <a:p>
-            <a:r>
-              <a:rPr lang="en-US" sz="1000" dirty="0"/>
-              <a:t> </a:t>
-            </a:r>
-            <a:r>
-              <a:rPr lang="en-US" sz="1000" dirty="0" smtClean="0"/>
-              <a:t>                      0</a:t>
-            </a:r>
-          </a:p>
-        </p:txBody>
-      </p:sp>
-      <p:sp>
-        <p:nvSpPr>
-          <p:cNvPr id="51" name="TextBox 50"/>
+              <a:rPr lang="en-US" sz="1000" dirty="0" smtClean="0"/>
+              <a:t>-1</a:t>
+            </a:r>
+          </a:p>
+          <a:p>
+            <a:r>
+              <a:rPr lang="en-US" sz="1000" dirty="0" smtClean="0"/>
+              <a:t>-1</a:t>
+            </a:r>
+          </a:p>
+          <a:p>
+            <a:r>
+              <a:rPr lang="en-US" sz="1000" dirty="0" smtClean="0"/>
+              <a:t>-2</a:t>
+            </a:r>
+          </a:p>
+          <a:p>
+            <a:r>
+              <a:rPr lang="en-US" sz="1000" dirty="0" smtClean="0"/>
+              <a:t>0</a:t>
+            </a:r>
+          </a:p>
+          <a:p>
+            <a:r>
+              <a:rPr lang="en-US" sz="1000" dirty="0" smtClean="0"/>
+              <a:t>0</a:t>
+            </a:r>
+          </a:p>
+        </p:txBody>
+      </p:sp>
+      <p:sp>
+        <p:nvSpPr>
+          <p:cNvPr id="98" name="TextBox 97"/>
           <p:cNvSpPr txBox="1"/>
           <p:nvPr/>
         </p:nvSpPr>
         <p:spPr>
           <a:xfrm>
-            <a:off x="7940859" y="1625053"/>
-            <a:ext cx="381836" cy="1323439"/>
+            <a:off x="9010537" y="1910394"/>
+            <a:ext cx="288862" cy="1015663"/>
           </a:xfrm>
           <a:prstGeom prst="rect">
             <a:avLst/>
@@ -4413,54 +7481,45 @@
           <a:p>
             <a:r>
               <a:rPr lang="en-US" sz="1000" dirty="0" smtClean="0"/>
+              <a:t>0</a:t>
+            </a:r>
+          </a:p>
+          <a:p>
+            <a:r>
+              <a:rPr lang="en-US" sz="1000" dirty="0" smtClean="0"/>
+              <a:t>-1</a:t>
+            </a:r>
+          </a:p>
+          <a:p>
+            <a:r>
+              <a:rPr lang="en-US" sz="1000" dirty="0" smtClean="0"/>
+              <a:t>0</a:t>
+            </a:r>
+          </a:p>
+          <a:p>
+            <a:r>
+              <a:rPr lang="en-US" sz="1000" dirty="0" smtClean="0"/>
               <a:t>2</a:t>
             </a:r>
           </a:p>
           <a:p>
             <a:r>
               <a:rPr lang="en-US" sz="1000" dirty="0" smtClean="0"/>
-              <a:t>3</a:t>
-            </a:r>
-          </a:p>
-          <a:p>
-            <a:r>
-              <a:rPr lang="en-US" sz="1000" dirty="0" smtClean="0"/>
-              <a:t>…</a:t>
-            </a:r>
-          </a:p>
-          <a:p>
-            <a:r>
-              <a:rPr lang="en-US" sz="1000" dirty="0" smtClean="0"/>
-              <a:t>…</a:t>
-            </a:r>
-          </a:p>
-          <a:p>
-            <a:r>
-              <a:rPr lang="en-US" sz="1000" dirty="0" smtClean="0"/>
-              <a:t>…</a:t>
-            </a:r>
-          </a:p>
-          <a:p>
-            <a:endParaRPr lang="en-US" sz="1000" dirty="0"/>
-          </a:p>
-          <a:p>
-            <a:r>
-              <a:rPr lang="en-US" sz="1000" dirty="0" smtClean="0"/>
-              <a:t>202</a:t>
-            </a:r>
-          </a:p>
-        </p:txBody>
-      </p:sp>
-      <p:sp>
-        <p:nvSpPr>
-          <p:cNvPr id="52" name="TextBox 51"/>
+              <a:t>-1</a:t>
+            </a:r>
+          </a:p>
+        </p:txBody>
+      </p:sp>
+      <p:sp>
+        <p:nvSpPr>
+          <p:cNvPr id="99" name="TextBox 98"/>
           <p:cNvSpPr txBox="1"/>
           <p:nvPr/>
         </p:nvSpPr>
         <p:spPr>
           <a:xfrm>
-            <a:off x="8537438" y="4905282"/>
-            <a:ext cx="1441420" cy="246221"/>
+            <a:off x="9246198" y="1899101"/>
+            <a:ext cx="288862" cy="1015663"/>
           </a:xfrm>
           <a:prstGeom prst="rect">
             <a:avLst/>
@@ -4475,432 +7534,39 @@
           <a:p>
             <a:r>
               <a:rPr lang="en-US" sz="1000" dirty="0" smtClean="0"/>
-              <a:t>1      2     3   …    …   …  10</a:t>
-            </a:r>
-          </a:p>
-        </p:txBody>
-      </p:sp>
-      <p:sp>
-        <p:nvSpPr>
-          <p:cNvPr id="53" name="TextBox 52"/>
-          <p:cNvSpPr txBox="1"/>
-          <p:nvPr/>
-        </p:nvSpPr>
-        <p:spPr>
-          <a:xfrm>
-            <a:off x="8093134" y="4978690"/>
-            <a:ext cx="316112" cy="1323439"/>
-          </a:xfrm>
-          <a:prstGeom prst="rect">
-            <a:avLst/>
-          </a:prstGeom>
-          <a:noFill/>
-        </p:spPr>
-        <p:txBody>
-          <a:bodyPr wrap="none" rtlCol="0">
-            <a:spAutoFit/>
-          </a:bodyPr>
-          <a:lstStyle/>
-          <a:p>
-            <a:r>
-              <a:rPr lang="en-US" sz="1000" dirty="0" smtClean="0"/>
-              <a:t>1</a:t>
-            </a:r>
-          </a:p>
-          <a:p>
-            <a:r>
-              <a:rPr lang="en-US" sz="1000" dirty="0" smtClean="0"/>
               <a:t>2</a:t>
             </a:r>
           </a:p>
           <a:p>
             <a:r>
               <a:rPr lang="en-US" sz="1000" dirty="0" smtClean="0"/>
-              <a:t>3</a:t>
-            </a:r>
-          </a:p>
-          <a:p>
-            <a:r>
-              <a:rPr lang="en-US" sz="1000" dirty="0" smtClean="0"/>
-              <a:t>…</a:t>
-            </a:r>
-          </a:p>
-          <a:p>
-            <a:r>
-              <a:rPr lang="en-US" sz="1000" dirty="0" smtClean="0"/>
-              <a:t>…</a:t>
-            </a:r>
-          </a:p>
-          <a:p>
-            <a:r>
-              <a:rPr lang="en-US" sz="1000" dirty="0" smtClean="0"/>
-              <a:t>…</a:t>
-            </a:r>
-          </a:p>
-          <a:p>
-            <a:endParaRPr lang="en-US" sz="1000" dirty="0"/>
-          </a:p>
-          <a:p>
-            <a:r>
-              <a:rPr lang="en-US" sz="1000" dirty="0" smtClean="0"/>
-              <a:t>10</a:t>
-            </a:r>
-          </a:p>
-        </p:txBody>
-      </p:sp>
-      <p:sp>
-        <p:nvSpPr>
-          <p:cNvPr id="54" name="TextBox 53"/>
-          <p:cNvSpPr txBox="1"/>
-          <p:nvPr/>
-        </p:nvSpPr>
-        <p:spPr>
-          <a:xfrm>
-            <a:off x="8293131" y="1392805"/>
-            <a:ext cx="1507144" cy="246221"/>
-          </a:xfrm>
-          <a:prstGeom prst="rect">
-            <a:avLst/>
-          </a:prstGeom>
-          <a:noFill/>
-        </p:spPr>
-        <p:txBody>
-          <a:bodyPr wrap="none" rtlCol="0">
-            <a:spAutoFit/>
-          </a:bodyPr>
-          <a:lstStyle/>
-          <a:p>
-            <a:r>
-              <a:rPr lang="en-US" sz="1000" dirty="0" smtClean="0"/>
-              <a:t>1      2     3   …    …   …  202</a:t>
-            </a:r>
-          </a:p>
-        </p:txBody>
-      </p:sp>
-      <p:sp>
-        <p:nvSpPr>
-          <p:cNvPr id="57" name="TextBox 56"/>
-          <p:cNvSpPr txBox="1"/>
-          <p:nvPr/>
-        </p:nvSpPr>
-        <p:spPr>
-          <a:xfrm>
-            <a:off x="4434440" y="6474868"/>
-            <a:ext cx="1954381" cy="246221"/>
-          </a:xfrm>
-          <a:prstGeom prst="rect">
-            <a:avLst/>
-          </a:prstGeom>
-          <a:noFill/>
-        </p:spPr>
-        <p:txBody>
-          <a:bodyPr wrap="none" rtlCol="0">
-            <a:spAutoFit/>
-          </a:bodyPr>
-          <a:lstStyle/>
-          <a:p>
-            <a:r>
-              <a:rPr lang="en-US" sz="1000" dirty="0" smtClean="0">
-                <a:latin typeface="Courier New" panose="02070309020205020404" pitchFamily="49" charset="0"/>
-                <a:cs typeface="Courier New" panose="02070309020205020404" pitchFamily="49" charset="0"/>
-              </a:rPr>
-              <a:t>for (</a:t>
-            </a:r>
-            <a:r>
-              <a:rPr lang="en-US" sz="1000" dirty="0" err="1" smtClean="0">
-                <a:latin typeface="Courier New" panose="02070309020205020404" pitchFamily="49" charset="0"/>
-                <a:cs typeface="Courier New" panose="02070309020205020404" pitchFamily="49" charset="0"/>
-              </a:rPr>
-              <a:t>i</a:t>
-            </a:r>
-            <a:r>
-              <a:rPr lang="en-US" sz="1000" dirty="0" smtClean="0">
-                <a:latin typeface="Courier New" panose="02070309020205020404" pitchFamily="49" charset="0"/>
-                <a:cs typeface="Courier New" panose="02070309020205020404" pitchFamily="49" charset="0"/>
-              </a:rPr>
-              <a:t> in 1:ncol(</a:t>
-            </a:r>
-            <a:r>
-              <a:rPr lang="en-US" sz="1000" dirty="0" err="1" smtClean="0">
-                <a:latin typeface="Courier New" panose="02070309020205020404" pitchFamily="49" charset="0"/>
-                <a:cs typeface="Courier New" panose="02070309020205020404" pitchFamily="49" charset="0"/>
-              </a:rPr>
-              <a:t>dat</a:t>
-            </a:r>
-            <a:r>
-              <a:rPr lang="en-US" sz="1000" dirty="0" smtClean="0">
-                <a:latin typeface="Courier New" panose="02070309020205020404" pitchFamily="49" charset="0"/>
-                <a:cs typeface="Courier New" panose="02070309020205020404" pitchFamily="49" charset="0"/>
-              </a:rPr>
-              <a:t>)){</a:t>
-            </a:r>
-            <a:endParaRPr lang="en-US" sz="1000" dirty="0">
-              <a:latin typeface="Courier New" panose="02070309020205020404" pitchFamily="49" charset="0"/>
-              <a:cs typeface="Courier New" panose="02070309020205020404" pitchFamily="49" charset="0"/>
-            </a:endParaRPr>
-          </a:p>
-        </p:txBody>
-      </p:sp>
-      <p:sp>
-        <p:nvSpPr>
-          <p:cNvPr id="58" name="TextBox 57"/>
-          <p:cNvSpPr txBox="1"/>
-          <p:nvPr/>
-        </p:nvSpPr>
-        <p:spPr>
-          <a:xfrm>
-            <a:off x="94818" y="6301927"/>
-            <a:ext cx="2168337" cy="400110"/>
-          </a:xfrm>
-          <a:prstGeom prst="rect">
-            <a:avLst/>
-          </a:prstGeom>
-          <a:noFill/>
-        </p:spPr>
-        <p:txBody>
-          <a:bodyPr wrap="square" rtlCol="0">
-            <a:spAutoFit/>
-          </a:bodyPr>
-          <a:lstStyle/>
-          <a:p>
-            <a:r>
-              <a:rPr lang="en-US" sz="1000" dirty="0" smtClean="0">
-                <a:latin typeface="Courier New" panose="02070309020205020404" pitchFamily="49" charset="0"/>
-                <a:cs typeface="Courier New" panose="02070309020205020404" pitchFamily="49" charset="0"/>
-              </a:rPr>
-              <a:t>for (j in 1:length(levels(grp))){</a:t>
-            </a:r>
-            <a:endParaRPr lang="en-US" sz="1000" dirty="0">
-              <a:latin typeface="Courier New" panose="02070309020205020404" pitchFamily="49" charset="0"/>
-              <a:cs typeface="Courier New" panose="02070309020205020404" pitchFamily="49" charset="0"/>
-            </a:endParaRPr>
-          </a:p>
-        </p:txBody>
-      </p:sp>
-      <p:sp>
-        <p:nvSpPr>
-          <p:cNvPr id="60" name="TextBox 59"/>
-          <p:cNvSpPr txBox="1"/>
-          <p:nvPr/>
-        </p:nvSpPr>
-        <p:spPr>
-          <a:xfrm>
-            <a:off x="3536619" y="4016340"/>
-            <a:ext cx="2168337" cy="400110"/>
-          </a:xfrm>
-          <a:prstGeom prst="rect">
-            <a:avLst/>
-          </a:prstGeom>
-          <a:noFill/>
-        </p:spPr>
-        <p:txBody>
-          <a:bodyPr wrap="square" rtlCol="0">
-            <a:spAutoFit/>
-          </a:bodyPr>
-          <a:lstStyle/>
-          <a:p>
-            <a:r>
-              <a:rPr lang="en-US" sz="1000" dirty="0" smtClean="0">
-                <a:latin typeface="Courier New" panose="02070309020205020404" pitchFamily="49" charset="0"/>
-                <a:cs typeface="Courier New" panose="02070309020205020404" pitchFamily="49" charset="0"/>
-              </a:rPr>
-              <a:t>for (k in 1:length(levels(grp))){</a:t>
-            </a:r>
-            <a:endParaRPr lang="en-US" sz="1000" dirty="0">
-              <a:latin typeface="Courier New" panose="02070309020205020404" pitchFamily="49" charset="0"/>
-              <a:cs typeface="Courier New" panose="02070309020205020404" pitchFamily="49" charset="0"/>
-            </a:endParaRPr>
-          </a:p>
-        </p:txBody>
-      </p:sp>
-      <p:sp>
-        <p:nvSpPr>
-          <p:cNvPr id="61" name="TextBox 60"/>
-          <p:cNvSpPr txBox="1"/>
-          <p:nvPr/>
-        </p:nvSpPr>
-        <p:spPr>
-          <a:xfrm>
-            <a:off x="9868385" y="1579058"/>
-            <a:ext cx="1832806" cy="246221"/>
-          </a:xfrm>
-          <a:prstGeom prst="rect">
-            <a:avLst/>
-          </a:prstGeom>
-          <a:noFill/>
-        </p:spPr>
-        <p:txBody>
-          <a:bodyPr wrap="square" rtlCol="0">
-            <a:spAutoFit/>
-          </a:bodyPr>
-          <a:lstStyle/>
-          <a:p>
-            <a:r>
-              <a:rPr lang="en-US" sz="1000" dirty="0" smtClean="0">
-                <a:latin typeface="Courier New" panose="02070309020205020404" pitchFamily="49" charset="0"/>
-                <a:cs typeface="Courier New" panose="02070309020205020404" pitchFamily="49" charset="0"/>
-              </a:rPr>
-              <a:t>for (l in 1:maxN){ </a:t>
-            </a:r>
-            <a:endParaRPr lang="en-US" sz="1000" dirty="0">
-              <a:latin typeface="Courier New" panose="02070309020205020404" pitchFamily="49" charset="0"/>
-              <a:cs typeface="Courier New" panose="02070309020205020404" pitchFamily="49" charset="0"/>
-            </a:endParaRPr>
-          </a:p>
-        </p:txBody>
-      </p:sp>
-      <p:sp>
-        <p:nvSpPr>
-          <p:cNvPr id="62" name="TextBox 61"/>
-          <p:cNvSpPr txBox="1"/>
-          <p:nvPr/>
-        </p:nvSpPr>
-        <p:spPr>
-          <a:xfrm>
-            <a:off x="5759659" y="2451989"/>
-            <a:ext cx="2168337" cy="246221"/>
-          </a:xfrm>
-          <a:prstGeom prst="rect">
-            <a:avLst/>
-          </a:prstGeom>
-          <a:noFill/>
-        </p:spPr>
-        <p:txBody>
-          <a:bodyPr wrap="square" rtlCol="0">
-            <a:spAutoFit/>
-          </a:bodyPr>
-          <a:lstStyle/>
-          <a:p>
-            <a:r>
-              <a:rPr lang="en-US" sz="1000" dirty="0" smtClean="0">
-                <a:latin typeface="Courier New" panose="02070309020205020404" pitchFamily="49" charset="0"/>
-                <a:cs typeface="Courier New" panose="02070309020205020404" pitchFamily="49" charset="0"/>
-              </a:rPr>
-              <a:t>for (n in 1:maxN){ </a:t>
-            </a:r>
-            <a:endParaRPr lang="en-US" sz="1000" dirty="0">
-              <a:latin typeface="Courier New" panose="02070309020205020404" pitchFamily="49" charset="0"/>
-              <a:cs typeface="Courier New" panose="02070309020205020404" pitchFamily="49" charset="0"/>
-            </a:endParaRPr>
-          </a:p>
-        </p:txBody>
-      </p:sp>
-      <p:sp>
-        <p:nvSpPr>
-          <p:cNvPr id="63" name="TextBox 62"/>
-          <p:cNvSpPr txBox="1"/>
-          <p:nvPr/>
-        </p:nvSpPr>
-        <p:spPr>
-          <a:xfrm>
-            <a:off x="6185240" y="4686136"/>
-            <a:ext cx="2168337" cy="400110"/>
-          </a:xfrm>
-          <a:prstGeom prst="rect">
-            <a:avLst/>
-          </a:prstGeom>
-          <a:noFill/>
-        </p:spPr>
-        <p:txBody>
-          <a:bodyPr wrap="square" rtlCol="0">
-            <a:spAutoFit/>
-          </a:bodyPr>
-          <a:lstStyle/>
-          <a:p>
-            <a:r>
-              <a:rPr lang="en-US" sz="1000" dirty="0" smtClean="0">
-                <a:latin typeface="Courier New" panose="02070309020205020404" pitchFamily="49" charset="0"/>
-                <a:cs typeface="Courier New" panose="02070309020205020404" pitchFamily="49" charset="0"/>
-              </a:rPr>
-              <a:t>for (k in 1:length(levels(grp))){ </a:t>
-            </a:r>
-            <a:endParaRPr lang="en-US" sz="1000" dirty="0">
-              <a:latin typeface="Courier New" panose="02070309020205020404" pitchFamily="49" charset="0"/>
-              <a:cs typeface="Courier New" panose="02070309020205020404" pitchFamily="49" charset="0"/>
-            </a:endParaRPr>
-          </a:p>
-        </p:txBody>
-      </p:sp>
-      <p:sp>
-        <p:nvSpPr>
-          <p:cNvPr id="64" name="TextBox 63"/>
-          <p:cNvSpPr txBox="1"/>
-          <p:nvPr/>
-        </p:nvSpPr>
-        <p:spPr>
-          <a:xfrm>
-            <a:off x="8242011" y="2487505"/>
-            <a:ext cx="1043876" cy="400110"/>
-          </a:xfrm>
-          <a:prstGeom prst="rect">
-            <a:avLst/>
-          </a:prstGeom>
-          <a:noFill/>
-        </p:spPr>
-        <p:txBody>
-          <a:bodyPr wrap="none" rtlCol="0">
-            <a:spAutoFit/>
-          </a:bodyPr>
-          <a:lstStyle/>
-          <a:p>
-            <a:r>
-              <a:rPr lang="en-US" sz="1000" dirty="0" smtClean="0"/>
-              <a:t>NA  </a:t>
-            </a:r>
-            <a:r>
-              <a:rPr lang="en-US" sz="1000" dirty="0" err="1" smtClean="0"/>
-              <a:t>NA</a:t>
-            </a:r>
-            <a:r>
-              <a:rPr lang="en-US" sz="1000" dirty="0" smtClean="0"/>
-              <a:t>  </a:t>
-            </a:r>
-            <a:r>
-              <a:rPr lang="en-US" sz="1000" dirty="0" err="1" smtClean="0"/>
-              <a:t>NA</a:t>
-            </a:r>
-            <a:r>
-              <a:rPr lang="en-US" sz="1000" dirty="0" smtClean="0"/>
-              <a:t>  </a:t>
-            </a:r>
-            <a:r>
-              <a:rPr lang="en-US" sz="1000" dirty="0" err="1" smtClean="0"/>
-              <a:t>NA</a:t>
-            </a:r>
-            <a:r>
-              <a:rPr lang="en-US" sz="1000" dirty="0" smtClean="0"/>
-              <a:t> </a:t>
-            </a:r>
-          </a:p>
-          <a:p>
-            <a:r>
-              <a:rPr lang="en-US" sz="1000" dirty="0" smtClean="0"/>
-              <a:t>NA  </a:t>
-            </a:r>
-            <a:r>
-              <a:rPr lang="en-US" sz="1000" dirty="0" err="1" smtClean="0"/>
-              <a:t>NA</a:t>
-            </a:r>
-            <a:r>
-              <a:rPr lang="en-US" sz="1000" dirty="0" smtClean="0"/>
-              <a:t>  </a:t>
-            </a:r>
-            <a:r>
-              <a:rPr lang="en-US" sz="1000" dirty="0" err="1" smtClean="0"/>
-              <a:t>NA</a:t>
-            </a:r>
-            <a:r>
-              <a:rPr lang="en-US" sz="1000" dirty="0" smtClean="0"/>
-              <a:t>  </a:t>
-            </a:r>
-            <a:r>
-              <a:rPr lang="en-US" sz="1000" dirty="0" err="1" smtClean="0"/>
-              <a:t>NA</a:t>
-            </a:r>
-            <a:r>
-              <a:rPr lang="en-US" sz="1000" dirty="0" smtClean="0"/>
-              <a:t> </a:t>
-            </a:r>
+              <a:t>0</a:t>
+            </a:r>
+          </a:p>
+          <a:p>
+            <a:r>
+              <a:rPr lang="en-US" sz="1000" dirty="0" smtClean="0"/>
+              <a:t>0</a:t>
+            </a:r>
+          </a:p>
+          <a:p>
+            <a:r>
+              <a:rPr lang="en-US" sz="1000" dirty="0" smtClean="0"/>
+              <a:t>0</a:t>
+            </a:r>
+          </a:p>
+          <a:p>
+            <a:r>
+              <a:rPr lang="en-US" sz="1000" dirty="0" smtClean="0"/>
+              <a:t>-1</a:t>
+            </a:r>
+          </a:p>
+          <a:p>
+            <a:r>
+              <a:rPr lang="en-US" sz="1000" dirty="0"/>
+              <a:t>0</a:t>
+            </a:r>
+            <a:endParaRPr lang="en-US" sz="1000" dirty="0" smtClean="0"/>
           </a:p>
         </p:txBody>
       </p:sp>
